--- a/tryathon/presentation/AITechMentor_tryathon.pptx
+++ b/tryathon/presentation/AITechMentor_tryathon.pptx
@@ -11,7 +11,10 @@
     <p:sldId id="261" r:id="rId5"/>
     <p:sldId id="259" r:id="rId6"/>
     <p:sldId id="262" r:id="rId7"/>
-    <p:sldId id="263" r:id="rId8"/>
+    <p:sldId id="266" r:id="rId8"/>
+    <p:sldId id="267" r:id="rId9"/>
+    <p:sldId id="263" r:id="rId10"/>
+    <p:sldId id="265" r:id="rId11"/>
   </p:sldIdLst>
   <p:sldSz cx="12192000" cy="6858000"/>
   <p:notesSz cx="6858000" cy="9144000"/>
@@ -2662,10 +2665,10 @@
             </a:lnSpc>
           </a:pPr>
           <a:r>
-            <a:rPr lang="en-US" baseline="0"/>
+            <a:rPr lang="en-US" baseline="0" dirty="0"/>
             <a:t>Given list of open issues, description and source code context</a:t>
           </a:r>
-          <a:endParaRPr lang="en-US"/>
+          <a:endParaRPr lang="en-US" dirty="0"/>
         </a:p>
       </dgm:t>
     </dgm:pt>
@@ -4114,10 +4117,10 @@
             <a:buNone/>
           </a:pPr>
           <a:r>
-            <a:rPr lang="en-US" sz="1700" kern="1200" baseline="0"/>
+            <a:rPr lang="en-US" sz="1700" kern="1200" baseline="0" dirty="0"/>
             <a:t>Given list of open issues, description and source code context</a:t>
           </a:r>
-          <a:endParaRPr lang="en-US" sz="1700" kern="1200"/>
+          <a:endParaRPr lang="en-US" sz="1700" kern="1200" dirty="0"/>
         </a:p>
       </dsp:txBody>
       <dsp:txXfrm>
@@ -11381,6 +11384,2365 @@
 </p:sld>
 </file>
 
+<file path=ppt/slides/slide10.xml><?xml version="1.0" encoding="utf-8"?>
+<p:sld xmlns:a="http://schemas.openxmlformats.org/drawingml/2006/main" xmlns:r="http://schemas.openxmlformats.org/officeDocument/2006/relationships" xmlns:p="http://schemas.openxmlformats.org/presentationml/2006/main" show="0">
+  <p:cSld>
+    <p:bg>
+      <p:bgPr>
+        <a:solidFill>
+          <a:schemeClr val="bg2"/>
+        </a:solidFill>
+        <a:effectLst/>
+      </p:bgPr>
+    </p:bg>
+    <p:spTree>
+      <p:nvGrpSpPr>
+        <p:cNvPr id="1" name=""/>
+        <p:cNvGrpSpPr/>
+        <p:nvPr/>
+      </p:nvGrpSpPr>
+      <p:grpSpPr>
+        <a:xfrm>
+          <a:off x="0" y="0"/>
+          <a:ext cx="0" cy="0"/>
+          <a:chOff x="0" y="0"/>
+          <a:chExt cx="0" cy="0"/>
+        </a:xfrm>
+      </p:grpSpPr>
+      <p:grpSp>
+        <p:nvGrpSpPr>
+          <p:cNvPr id="28" name="Group 27">
+            <a:extLst>
+              <a:ext uri="{FF2B5EF4-FFF2-40B4-BE49-F238E27FC236}">
+                <a16:creationId xmlns:a16="http://schemas.microsoft.com/office/drawing/2014/main" id="{449BC34D-9C23-4D6D-8213-1F471AF85B3F}"/>
+              </a:ext>
+              <a:ext uri="{C183D7F6-B498-43B3-948B-1728B52AA6E4}">
+                <adec:decorative xmlns:adec="http://schemas.microsoft.com/office/drawing/2017/decorative" val="1"/>
+              </a:ext>
+            </a:extLst>
+          </p:cNvPr>
+          <p:cNvGrpSpPr>
+            <a:grpSpLocks noGrp="1" noUngrp="1" noRot="1" noChangeAspect="1" noMove="1" noResize="1"/>
+          </p:cNvGrpSpPr>
+          <p:nvPr>
+            <p:extLst>
+              <p:ext uri="{386F3935-93C4-4BCD-93E2-E3B085C9AB24}">
+                <p16:designElem xmlns:p16="http://schemas.microsoft.com/office/powerpoint/2015/main" val="1"/>
+              </p:ext>
+            </p:extLst>
+          </p:nvPr>
+        </p:nvGrpSpPr>
+        <p:grpSpPr>
+          <a:xfrm>
+            <a:off x="752858" y="744469"/>
+            <a:ext cx="10674117" cy="5349671"/>
+            <a:chOff x="752858" y="744469"/>
+            <a:chExt cx="10674117" cy="5349671"/>
+          </a:xfrm>
+        </p:grpSpPr>
+        <p:sp>
+          <p:nvSpPr>
+            <p:cNvPr id="29" name="Freeform 6">
+              <a:extLst>
+                <a:ext uri="{FF2B5EF4-FFF2-40B4-BE49-F238E27FC236}">
+                  <a16:creationId xmlns:a16="http://schemas.microsoft.com/office/drawing/2014/main" id="{FA0F5D6C-5025-4D7E-82DD-C2C6FDA1E759}"/>
+                </a:ext>
+                <a:ext uri="{C183D7F6-B498-43B3-948B-1728B52AA6E4}">
+                  <adec:decorative xmlns:adec="http://schemas.microsoft.com/office/drawing/2017/decorative" val="1"/>
+                </a:ext>
+              </a:extLst>
+            </p:cNvPr>
+            <p:cNvSpPr/>
+            <p:nvPr>
+              <p:extLst>
+                <p:ext uri="{386F3935-93C4-4BCD-93E2-E3B085C9AB24}">
+                  <p16:designElem xmlns:p16="http://schemas.microsoft.com/office/powerpoint/2015/main" val="1"/>
+                </p:ext>
+              </p:extLst>
+            </p:nvPr>
+          </p:nvSpPr>
+          <p:spPr bwMode="auto">
+            <a:xfrm>
+              <a:off x="8151962" y="1685652"/>
+              <a:ext cx="3275013" cy="4408488"/>
+            </a:xfrm>
+            <a:custGeom>
+              <a:avLst/>
+              <a:gdLst/>
+              <a:ahLst/>
+              <a:cxnLst/>
+              <a:rect l="l" t="t" r="r" b="b"/>
+              <a:pathLst>
+                <a:path w="10000" h="10000">
+                  <a:moveTo>
+                    <a:pt x="8761" y="0"/>
+                  </a:moveTo>
+                  <a:lnTo>
+                    <a:pt x="10000" y="0"/>
+                  </a:lnTo>
+                  <a:lnTo>
+                    <a:pt x="10000" y="10000"/>
+                  </a:lnTo>
+                  <a:lnTo>
+                    <a:pt x="0" y="10000"/>
+                  </a:lnTo>
+                  <a:lnTo>
+                    <a:pt x="0" y="9126"/>
+                  </a:lnTo>
+                  <a:lnTo>
+                    <a:pt x="8761" y="9127"/>
+                  </a:lnTo>
+                  <a:lnTo>
+                    <a:pt x="8761" y="0"/>
+                  </a:lnTo>
+                  <a:close/>
+                </a:path>
+              </a:pathLst>
+            </a:custGeom>
+            <a:solidFill>
+              <a:schemeClr val="tx2"/>
+            </a:solidFill>
+            <a:ln w="0">
+              <a:noFill/>
+              <a:prstDash val="solid"/>
+              <a:round/>
+              <a:headEnd/>
+              <a:tailEnd/>
+            </a:ln>
+          </p:spPr>
+          <p:txBody>
+            <a:bodyPr/>
+            <a:lstStyle/>
+            <a:p>
+              <a:endParaRPr lang="en-US"/>
+            </a:p>
+          </p:txBody>
+        </p:sp>
+        <p:sp>
+          <p:nvSpPr>
+            <p:cNvPr id="30" name="Freeform 6">
+              <a:extLst>
+                <a:ext uri="{FF2B5EF4-FFF2-40B4-BE49-F238E27FC236}">
+                  <a16:creationId xmlns:a16="http://schemas.microsoft.com/office/drawing/2014/main" id="{E2AF2C17-4AB4-4402-B84B-129EF95D161C}"/>
+                </a:ext>
+                <a:ext uri="{C183D7F6-B498-43B3-948B-1728B52AA6E4}">
+                  <adec:decorative xmlns:adec="http://schemas.microsoft.com/office/drawing/2017/decorative" val="1"/>
+                </a:ext>
+              </a:extLst>
+            </p:cNvPr>
+            <p:cNvSpPr/>
+            <p:nvPr>
+              <p:extLst>
+                <p:ext uri="{386F3935-93C4-4BCD-93E2-E3B085C9AB24}">
+                  <p16:designElem xmlns:p16="http://schemas.microsoft.com/office/powerpoint/2015/main" val="1"/>
+                </p:ext>
+              </p:extLst>
+            </p:nvPr>
+          </p:nvSpPr>
+          <p:spPr bwMode="auto">
+            <a:xfrm flipH="1" flipV="1">
+              <a:off x="752858" y="744469"/>
+              <a:ext cx="3275668" cy="4408488"/>
+            </a:xfrm>
+            <a:custGeom>
+              <a:avLst/>
+              <a:gdLst/>
+              <a:ahLst/>
+              <a:cxnLst/>
+              <a:rect l="l" t="t" r="r" b="b"/>
+              <a:pathLst>
+                <a:path w="10002" h="10000">
+                  <a:moveTo>
+                    <a:pt x="8763" y="0"/>
+                  </a:moveTo>
+                  <a:lnTo>
+                    <a:pt x="10002" y="0"/>
+                  </a:lnTo>
+                  <a:lnTo>
+                    <a:pt x="10002" y="10000"/>
+                  </a:lnTo>
+                  <a:lnTo>
+                    <a:pt x="2" y="10000"/>
+                  </a:lnTo>
+                  <a:cubicBezTo>
+                    <a:pt x="-2" y="9698"/>
+                    <a:pt x="4" y="9427"/>
+                    <a:pt x="0" y="9125"/>
+                  </a:cubicBezTo>
+                  <a:lnTo>
+                    <a:pt x="8763" y="9128"/>
+                  </a:lnTo>
+                  <a:lnTo>
+                    <a:pt x="8763" y="0"/>
+                  </a:lnTo>
+                  <a:close/>
+                </a:path>
+              </a:pathLst>
+            </a:custGeom>
+            <a:solidFill>
+              <a:schemeClr val="tx2"/>
+            </a:solidFill>
+            <a:ln w="0">
+              <a:noFill/>
+              <a:prstDash val="solid"/>
+              <a:round/>
+              <a:headEnd/>
+              <a:tailEnd/>
+            </a:ln>
+          </p:spPr>
+          <p:txBody>
+            <a:bodyPr/>
+            <a:lstStyle/>
+            <a:p>
+              <a:endParaRPr lang="en-US"/>
+            </a:p>
+          </p:txBody>
+        </p:sp>
+      </p:grpSp>
+      <p:sp useBgFill="1">
+        <p:nvSpPr>
+          <p:cNvPr id="32" name="Rectangle 31">
+            <a:extLst>
+              <a:ext uri="{FF2B5EF4-FFF2-40B4-BE49-F238E27FC236}">
+                <a16:creationId xmlns:a16="http://schemas.microsoft.com/office/drawing/2014/main" id="{1F9A0C1C-8ABC-401B-8FE9-AC9327C4C587}"/>
+              </a:ext>
+              <a:ext uri="{C183D7F6-B498-43B3-948B-1728B52AA6E4}">
+                <adec:decorative xmlns:adec="http://schemas.microsoft.com/office/drawing/2017/decorative" val="1"/>
+              </a:ext>
+            </a:extLst>
+          </p:cNvPr>
+          <p:cNvSpPr>
+            <a:spLocks noGrp="1" noRot="1" noChangeAspect="1" noMove="1" noResize="1" noEditPoints="1" noAdjustHandles="1" noChangeArrowheads="1" noChangeShapeType="1" noTextEdit="1"/>
+          </p:cNvSpPr>
+          <p:nvPr>
+            <p:extLst>
+              <p:ext uri="{386F3935-93C4-4BCD-93E2-E3B085C9AB24}">
+                <p16:designElem xmlns:p16="http://schemas.microsoft.com/office/powerpoint/2015/main" val="1"/>
+              </p:ext>
+            </p:extLst>
+          </p:nvPr>
+        </p:nvSpPr>
+        <p:spPr>
+          <a:xfrm>
+            <a:off x="0" y="0"/>
+            <a:ext cx="12192000" cy="6858000"/>
+          </a:xfrm>
+          <a:prstGeom prst="rect">
+            <a:avLst/>
+          </a:prstGeom>
+          <a:ln>
+            <a:noFill/>
+          </a:ln>
+        </p:spPr>
+        <p:style>
+          <a:lnRef idx="2">
+            <a:schemeClr val="accent1">
+              <a:shade val="50000"/>
+            </a:schemeClr>
+          </a:lnRef>
+          <a:fillRef idx="1001">
+            <a:schemeClr val="lt2"/>
+          </a:fillRef>
+          <a:effectRef idx="0">
+            <a:schemeClr val="accent1"/>
+          </a:effectRef>
+          <a:fontRef idx="minor">
+            <a:schemeClr val="lt1"/>
+          </a:fontRef>
+        </p:style>
+        <p:txBody>
+          <a:bodyPr rtlCol="0" anchor="ctr"/>
+          <a:lstStyle/>
+          <a:p>
+            <a:pPr algn="ctr"/>
+            <a:endParaRPr lang="en-US"/>
+          </a:p>
+        </p:txBody>
+      </p:sp>
+      <p:sp>
+        <p:nvSpPr>
+          <p:cNvPr id="2" name="Title 1">
+            <a:extLst>
+              <a:ext uri="{FF2B5EF4-FFF2-40B4-BE49-F238E27FC236}">
+                <a16:creationId xmlns:a16="http://schemas.microsoft.com/office/drawing/2014/main" id="{5D873999-FD66-889B-DE76-ABFFB34016B7}"/>
+              </a:ext>
+            </a:extLst>
+          </p:cNvPr>
+          <p:cNvSpPr>
+            <a:spLocks noGrp="1"/>
+          </p:cNvSpPr>
+          <p:nvPr>
+            <p:ph type="title"/>
+          </p:nvPr>
+        </p:nvSpPr>
+        <p:spPr>
+          <a:xfrm>
+            <a:off x="8154186" y="634028"/>
+            <a:ext cx="3355942" cy="3732835"/>
+          </a:xfrm>
+        </p:spPr>
+        <p:txBody>
+          <a:bodyPr vert="horz" lIns="91440" tIns="45720" rIns="91440" bIns="45720" rtlCol="0" anchor="b">
+            <a:normAutofit/>
+          </a:bodyPr>
+          <a:lstStyle/>
+          <a:p>
+            <a:pPr algn="ctr"/>
+            <a:r>
+              <a:rPr lang="en-US" sz="4200" cap="all"/>
+              <a:t>Output quality comparison</a:t>
+            </a:r>
+          </a:p>
+        </p:txBody>
+      </p:sp>
+      <p:sp>
+        <p:nvSpPr>
+          <p:cNvPr id="34" name="Freeform 6">
+            <a:extLst>
+              <a:ext uri="{FF2B5EF4-FFF2-40B4-BE49-F238E27FC236}">
+                <a16:creationId xmlns:a16="http://schemas.microsoft.com/office/drawing/2014/main" id="{BA5783C3-2F96-40A7-A24F-30CB07AA3928}"/>
+              </a:ext>
+              <a:ext uri="{C183D7F6-B498-43B3-948B-1728B52AA6E4}">
+                <adec:decorative xmlns:adec="http://schemas.microsoft.com/office/drawing/2017/decorative" val="1"/>
+              </a:ext>
+            </a:extLst>
+          </p:cNvPr>
+          <p:cNvSpPr>
+            <a:spLocks noGrp="1" noRot="1" noChangeAspect="1" noMove="1" noResize="1" noEditPoints="1" noAdjustHandles="1" noChangeArrowheads="1" noChangeShapeType="1" noTextEdit="1"/>
+          </p:cNvSpPr>
+          <p:nvPr>
+            <p:extLst>
+              <p:ext uri="{386F3935-93C4-4BCD-93E2-E3B085C9AB24}">
+                <p16:designElem xmlns:p16="http://schemas.microsoft.com/office/powerpoint/2015/main" val="1"/>
+              </p:ext>
+            </p:extLst>
+          </p:nvPr>
+        </p:nvSpPr>
+        <p:spPr bwMode="auto">
+          <a:xfrm flipH="1" flipV="1">
+            <a:off x="649163" y="634028"/>
+            <a:ext cx="3275668" cy="4408488"/>
+          </a:xfrm>
+          <a:custGeom>
+            <a:avLst/>
+            <a:gdLst/>
+            <a:ahLst/>
+            <a:cxnLst/>
+            <a:rect l="l" t="t" r="r" b="b"/>
+            <a:pathLst>
+              <a:path w="10002" h="10000">
+                <a:moveTo>
+                  <a:pt x="8763" y="0"/>
+                </a:moveTo>
+                <a:lnTo>
+                  <a:pt x="10002" y="0"/>
+                </a:lnTo>
+                <a:lnTo>
+                  <a:pt x="10002" y="10000"/>
+                </a:lnTo>
+                <a:lnTo>
+                  <a:pt x="2" y="10000"/>
+                </a:lnTo>
+                <a:cubicBezTo>
+                  <a:pt x="-2" y="9698"/>
+                  <a:pt x="4" y="9427"/>
+                  <a:pt x="0" y="9125"/>
+                </a:cubicBezTo>
+                <a:lnTo>
+                  <a:pt x="8763" y="9128"/>
+                </a:lnTo>
+                <a:lnTo>
+                  <a:pt x="8763" y="0"/>
+                </a:lnTo>
+                <a:close/>
+              </a:path>
+            </a:pathLst>
+          </a:custGeom>
+          <a:solidFill>
+            <a:schemeClr val="tx2"/>
+          </a:solidFill>
+          <a:ln w="0">
+            <a:noFill/>
+            <a:prstDash val="solid"/>
+            <a:round/>
+            <a:headEnd/>
+            <a:tailEnd/>
+          </a:ln>
+        </p:spPr>
+        <p:txBody>
+          <a:bodyPr/>
+          <a:lstStyle/>
+          <a:p>
+            <a:endParaRPr lang="en-US"/>
+          </a:p>
+        </p:txBody>
+      </p:sp>
+      <p:sp>
+        <p:nvSpPr>
+          <p:cNvPr id="36" name="Freeform 6">
+            <a:extLst>
+              <a:ext uri="{FF2B5EF4-FFF2-40B4-BE49-F238E27FC236}">
+                <a16:creationId xmlns:a16="http://schemas.microsoft.com/office/drawing/2014/main" id="{A9D08DBA-0326-4C4E-ACFB-576F3ABDD2D0}"/>
+              </a:ext>
+              <a:ext uri="{C183D7F6-B498-43B3-948B-1728B52AA6E4}">
+                <adec:decorative xmlns:adec="http://schemas.microsoft.com/office/drawing/2017/decorative" val="1"/>
+              </a:ext>
+            </a:extLst>
+          </p:cNvPr>
+          <p:cNvSpPr>
+            <a:spLocks noGrp="1" noRot="1" noChangeAspect="1" noMove="1" noResize="1" noEditPoints="1" noAdjustHandles="1" noChangeArrowheads="1" noChangeShapeType="1" noTextEdit="1"/>
+          </p:cNvSpPr>
+          <p:nvPr>
+            <p:extLst>
+              <p:ext uri="{386F3935-93C4-4BCD-93E2-E3B085C9AB24}">
+                <p16:designElem xmlns:p16="http://schemas.microsoft.com/office/powerpoint/2015/main" val="1"/>
+              </p:ext>
+            </p:extLst>
+          </p:nvPr>
+        </p:nvSpPr>
+        <p:spPr bwMode="auto">
+          <a:xfrm>
+            <a:off x="4494670" y="2016617"/>
+            <a:ext cx="3275013" cy="4408488"/>
+          </a:xfrm>
+          <a:custGeom>
+            <a:avLst/>
+            <a:gdLst/>
+            <a:ahLst/>
+            <a:cxnLst/>
+            <a:rect l="l" t="t" r="r" b="b"/>
+            <a:pathLst>
+              <a:path w="10000" h="10000">
+                <a:moveTo>
+                  <a:pt x="8761" y="0"/>
+                </a:moveTo>
+                <a:lnTo>
+                  <a:pt x="10000" y="0"/>
+                </a:lnTo>
+                <a:lnTo>
+                  <a:pt x="10000" y="10000"/>
+                </a:lnTo>
+                <a:lnTo>
+                  <a:pt x="0" y="10000"/>
+                </a:lnTo>
+                <a:lnTo>
+                  <a:pt x="0" y="9126"/>
+                </a:lnTo>
+                <a:lnTo>
+                  <a:pt x="8761" y="9127"/>
+                </a:lnTo>
+                <a:lnTo>
+                  <a:pt x="8761" y="0"/>
+                </a:lnTo>
+                <a:close/>
+              </a:path>
+            </a:pathLst>
+          </a:custGeom>
+          <a:solidFill>
+            <a:schemeClr val="tx2"/>
+          </a:solidFill>
+          <a:ln w="0">
+            <a:noFill/>
+            <a:prstDash val="solid"/>
+            <a:round/>
+            <a:headEnd/>
+            <a:tailEnd/>
+          </a:ln>
+        </p:spPr>
+        <p:txBody>
+          <a:bodyPr/>
+          <a:lstStyle/>
+          <a:p>
+            <a:endParaRPr lang="en-US"/>
+          </a:p>
+        </p:txBody>
+      </p:sp>
+      <p:graphicFrame>
+        <p:nvGraphicFramePr>
+          <p:cNvPr id="4" name="Table 3">
+            <a:extLst>
+              <a:ext uri="{FF2B5EF4-FFF2-40B4-BE49-F238E27FC236}">
+                <a16:creationId xmlns:a16="http://schemas.microsoft.com/office/drawing/2014/main" id="{727F2BAF-F7A2-D879-9384-12C78FF296D2}"/>
+              </a:ext>
+            </a:extLst>
+          </p:cNvPr>
+          <p:cNvGraphicFramePr>
+            <a:graphicFrameLocks noGrp="1"/>
+          </p:cNvGraphicFramePr>
+          <p:nvPr>
+            <p:extLst>
+              <p:ext uri="{D42A27DB-BD31-4B8C-83A1-F6EECF244321}">
+                <p14:modId xmlns:p14="http://schemas.microsoft.com/office/powerpoint/2010/main" val="1698625473"/>
+              </p:ext>
+            </p:extLst>
+          </p:nvPr>
+        </p:nvGraphicFramePr>
+        <p:xfrm>
+          <a:off x="1051764" y="991314"/>
+          <a:ext cx="6318712" cy="5042018"/>
+        </p:xfrm>
+        <a:graphic>
+          <a:graphicData uri="http://schemas.openxmlformats.org/drawingml/2006/table">
+            <a:tbl>
+              <a:tblPr firstRow="1" bandRow="1">
+                <a:noFill/>
+                <a:tableStyleId>{6E25E649-3F16-4E02-A733-19D2CDBF48F0}</a:tableStyleId>
+              </a:tblPr>
+              <a:tblGrid>
+                <a:gridCol w="785582">
+                  <a:extLst>
+                    <a:ext uri="{9D8B030D-6E8A-4147-A177-3AD203B41FA5}">
+                      <a16:colId xmlns:a16="http://schemas.microsoft.com/office/drawing/2014/main" val="1416281054"/>
+                    </a:ext>
+                  </a:extLst>
+                </a:gridCol>
+                <a:gridCol w="1649338">
+                  <a:extLst>
+                    <a:ext uri="{9D8B030D-6E8A-4147-A177-3AD203B41FA5}">
+                      <a16:colId xmlns:a16="http://schemas.microsoft.com/office/drawing/2014/main" val="1262224578"/>
+                    </a:ext>
+                  </a:extLst>
+                </a:gridCol>
+                <a:gridCol w="1780765">
+                  <a:extLst>
+                    <a:ext uri="{9D8B030D-6E8A-4147-A177-3AD203B41FA5}">
+                      <a16:colId xmlns:a16="http://schemas.microsoft.com/office/drawing/2014/main" val="3040788234"/>
+                    </a:ext>
+                  </a:extLst>
+                </a:gridCol>
+                <a:gridCol w="2103027">
+                  <a:extLst>
+                    <a:ext uri="{9D8B030D-6E8A-4147-A177-3AD203B41FA5}">
+                      <a16:colId xmlns:a16="http://schemas.microsoft.com/office/drawing/2014/main" val="168352151"/>
+                    </a:ext>
+                  </a:extLst>
+                </a:gridCol>
+              </a:tblGrid>
+              <a:tr h="342104">
+                <a:tc>
+                  <a:txBody>
+                    <a:bodyPr/>
+                    <a:lstStyle/>
+                    <a:p>
+                      <a:pPr>
+                        <a:lnSpc>
+                          <a:spcPct val="100000"/>
+                        </a:lnSpc>
+                        <a:spcBef>
+                          <a:spcPts val="400"/>
+                        </a:spcBef>
+                      </a:pPr>
+                      <a:r>
+                        <a:rPr lang="en-US" sz="1050" b="1" dirty="0">
+                          <a:solidFill>
+                            <a:schemeClr val="tx1">
+                              <a:lumMod val="75000"/>
+                              <a:lumOff val="25000"/>
+                            </a:schemeClr>
+                          </a:solidFill>
+                        </a:rPr>
+                        <a:t>Model</a:t>
+                      </a:r>
+                    </a:p>
+                  </a:txBody>
+                  <a:tcPr marL="56771" marR="28386" marT="28386" marB="28386">
+                    <a:lnL w="12700" cap="flat" cmpd="sng" algn="ctr">
+                      <a:solidFill>
+                        <a:schemeClr val="tx1"/>
+                      </a:solidFill>
+                      <a:prstDash val="solid"/>
+                      <a:round/>
+                      <a:headEnd type="none" w="med" len="med"/>
+                      <a:tailEnd type="none" w="med" len="med"/>
+                    </a:lnL>
+                    <a:lnR w="12700" cap="flat" cmpd="sng" algn="ctr">
+                      <a:noFill/>
+                      <a:prstDash val="solid"/>
+                      <a:round/>
+                      <a:headEnd type="none" w="med" len="med"/>
+                      <a:tailEnd type="none" w="med" len="med"/>
+                    </a:lnR>
+                    <a:lnT w="12700" cap="flat" cmpd="sng" algn="ctr">
+                      <a:solidFill>
+                        <a:schemeClr val="tx1"/>
+                      </a:solidFill>
+                      <a:prstDash val="solid"/>
+                      <a:round/>
+                      <a:headEnd type="none" w="med" len="med"/>
+                      <a:tailEnd type="none" w="med" len="med"/>
+                    </a:lnT>
+                    <a:lnB w="12700" cap="flat" cmpd="sng" algn="ctr">
+                      <a:noFill/>
+                      <a:prstDash val="solid"/>
+                      <a:round/>
+                      <a:headEnd type="none" w="med" len="med"/>
+                      <a:tailEnd type="none" w="med" len="med"/>
+                    </a:lnB>
+                    <a:lnTlToBr w="12700" cmpd="sng">
+                      <a:noFill/>
+                      <a:prstDash val="solid"/>
+                    </a:lnTlToBr>
+                    <a:lnBlToTr w="12700" cmpd="sng">
+                      <a:noFill/>
+                      <a:prstDash val="solid"/>
+                    </a:lnBlToTr>
+                    <a:solidFill>
+                      <a:schemeClr val="accent3">
+                        <a:lumMod val="40000"/>
+                        <a:lumOff val="60000"/>
+                      </a:schemeClr>
+                    </a:solidFill>
+                  </a:tcPr>
+                </a:tc>
+                <a:tc>
+                  <a:txBody>
+                    <a:bodyPr/>
+                    <a:lstStyle/>
+                    <a:p>
+                      <a:pPr marL="0" marR="0" indent="0" algn="l" defTabSz="914400" rtl="0" eaLnBrk="1" fontAlgn="auto" latinLnBrk="0" hangingPunct="1">
+                        <a:lnSpc>
+                          <a:spcPct val="100000"/>
+                        </a:lnSpc>
+                        <a:spcBef>
+                          <a:spcPts val="400"/>
+                        </a:spcBef>
+                        <a:spcAft>
+                          <a:spcPts val="0"/>
+                        </a:spcAft>
+                        <a:buClrTx/>
+                        <a:buSzTx/>
+                        <a:buFontTx/>
+                        <a:buNone/>
+                        <a:tabLst/>
+                        <a:defRPr/>
+                      </a:pPr>
+                      <a:r>
+                        <a:rPr lang="en-IN" sz="1050" b="1" dirty="0">
+                          <a:solidFill>
+                            <a:schemeClr val="tx1">
+                              <a:lumMod val="75000"/>
+                              <a:lumOff val="25000"/>
+                            </a:schemeClr>
+                          </a:solidFill>
+                        </a:rPr>
+                        <a:t>GPT4.1 (</a:t>
+                      </a:r>
+                      <a:r>
+                        <a:rPr lang="en-IN" sz="1050" b="1" dirty="0" err="1">
+                          <a:solidFill>
+                            <a:schemeClr val="tx1">
+                              <a:lumMod val="75000"/>
+                              <a:lumOff val="25000"/>
+                            </a:schemeClr>
+                          </a:solidFill>
+                        </a:rPr>
+                        <a:t>avg</a:t>
+                      </a:r>
+                      <a:r>
+                        <a:rPr lang="en-IN" sz="1050" b="1" dirty="0">
+                          <a:solidFill>
+                            <a:schemeClr val="tx1">
+                              <a:lumMod val="75000"/>
+                              <a:lumOff val="25000"/>
+                            </a:schemeClr>
+                          </a:solidFill>
+                        </a:rPr>
+                        <a:t>: ~70s)</a:t>
+                      </a:r>
+                    </a:p>
+                  </a:txBody>
+                  <a:tcPr marL="56771" marR="28386" marT="28386" marB="28386">
+                    <a:lnL w="12700" cap="flat" cmpd="sng" algn="ctr">
+                      <a:noFill/>
+                      <a:prstDash val="solid"/>
+                      <a:round/>
+                      <a:headEnd type="none" w="med" len="med"/>
+                      <a:tailEnd type="none" w="med" len="med"/>
+                    </a:lnL>
+                    <a:lnR w="12700" cap="flat" cmpd="sng" algn="ctr">
+                      <a:noFill/>
+                      <a:prstDash val="solid"/>
+                      <a:round/>
+                      <a:headEnd type="none" w="med" len="med"/>
+                      <a:tailEnd type="none" w="med" len="med"/>
+                    </a:lnR>
+                    <a:lnT w="12700" cap="flat" cmpd="sng" algn="ctr">
+                      <a:solidFill>
+                        <a:schemeClr val="tx1"/>
+                      </a:solidFill>
+                      <a:prstDash val="solid"/>
+                      <a:round/>
+                      <a:headEnd type="none" w="med" len="med"/>
+                      <a:tailEnd type="none" w="med" len="med"/>
+                    </a:lnT>
+                    <a:lnB w="12700" cap="flat" cmpd="sng" algn="ctr">
+                      <a:noFill/>
+                      <a:prstDash val="solid"/>
+                      <a:round/>
+                      <a:headEnd type="none" w="med" len="med"/>
+                      <a:tailEnd type="none" w="med" len="med"/>
+                    </a:lnB>
+                    <a:lnTlToBr w="12700" cmpd="sng">
+                      <a:noFill/>
+                      <a:prstDash val="solid"/>
+                    </a:lnTlToBr>
+                    <a:lnBlToTr w="12700" cmpd="sng">
+                      <a:noFill/>
+                      <a:prstDash val="solid"/>
+                    </a:lnBlToTr>
+                    <a:solidFill>
+                      <a:schemeClr val="accent3">
+                        <a:lumMod val="40000"/>
+                        <a:lumOff val="60000"/>
+                      </a:schemeClr>
+                    </a:solidFill>
+                  </a:tcPr>
+                </a:tc>
+                <a:tc>
+                  <a:txBody>
+                    <a:bodyPr/>
+                    <a:lstStyle/>
+                    <a:p>
+                      <a:pPr>
+                        <a:lnSpc>
+                          <a:spcPct val="100000"/>
+                        </a:lnSpc>
+                        <a:spcBef>
+                          <a:spcPts val="400"/>
+                        </a:spcBef>
+                      </a:pPr>
+                      <a:r>
+                        <a:rPr lang="en-IN" sz="1050" b="1" dirty="0">
+                          <a:solidFill>
+                            <a:schemeClr val="tx1">
+                              <a:lumMod val="75000"/>
+                              <a:lumOff val="25000"/>
+                            </a:schemeClr>
+                          </a:solidFill>
+                        </a:rPr>
+                        <a:t>GPT4o (</a:t>
+                      </a:r>
+                      <a:r>
+                        <a:rPr lang="en-IN" sz="1050" b="1" dirty="0" err="1">
+                          <a:solidFill>
+                            <a:schemeClr val="tx1">
+                              <a:lumMod val="75000"/>
+                              <a:lumOff val="25000"/>
+                            </a:schemeClr>
+                          </a:solidFill>
+                        </a:rPr>
+                        <a:t>avg</a:t>
+                      </a:r>
+                      <a:r>
+                        <a:rPr lang="en-IN" sz="1050" b="1" dirty="0">
+                          <a:solidFill>
+                            <a:schemeClr val="tx1">
+                              <a:lumMod val="75000"/>
+                              <a:lumOff val="25000"/>
+                            </a:schemeClr>
+                          </a:solidFill>
+                        </a:rPr>
+                        <a:t>: ~260s)</a:t>
+                      </a:r>
+                    </a:p>
+                  </a:txBody>
+                  <a:tcPr marL="56771" marR="28386" marT="28386" marB="28386">
+                    <a:lnL w="12700" cap="flat" cmpd="sng" algn="ctr">
+                      <a:noFill/>
+                      <a:prstDash val="solid"/>
+                      <a:round/>
+                      <a:headEnd type="none" w="med" len="med"/>
+                      <a:tailEnd type="none" w="med" len="med"/>
+                    </a:lnL>
+                    <a:lnR w="12700" cap="flat" cmpd="sng" algn="ctr">
+                      <a:noFill/>
+                      <a:prstDash val="solid"/>
+                      <a:round/>
+                      <a:headEnd type="none" w="med" len="med"/>
+                      <a:tailEnd type="none" w="med" len="med"/>
+                    </a:lnR>
+                    <a:lnT w="12700" cap="flat" cmpd="sng" algn="ctr">
+                      <a:solidFill>
+                        <a:schemeClr val="tx1"/>
+                      </a:solidFill>
+                      <a:prstDash val="solid"/>
+                      <a:round/>
+                      <a:headEnd type="none" w="med" len="med"/>
+                      <a:tailEnd type="none" w="med" len="med"/>
+                    </a:lnT>
+                    <a:lnB w="12700" cap="flat" cmpd="sng" algn="ctr">
+                      <a:noFill/>
+                      <a:prstDash val="solid"/>
+                      <a:round/>
+                      <a:headEnd type="none" w="med" len="med"/>
+                      <a:tailEnd type="none" w="med" len="med"/>
+                    </a:lnB>
+                    <a:lnTlToBr w="12700" cmpd="sng">
+                      <a:noFill/>
+                      <a:prstDash val="solid"/>
+                    </a:lnTlToBr>
+                    <a:lnBlToTr w="12700" cmpd="sng">
+                      <a:noFill/>
+                      <a:prstDash val="solid"/>
+                    </a:lnBlToTr>
+                    <a:solidFill>
+                      <a:schemeClr val="accent3">
+                        <a:lumMod val="40000"/>
+                        <a:lumOff val="60000"/>
+                      </a:schemeClr>
+                    </a:solidFill>
+                  </a:tcPr>
+                </a:tc>
+                <a:tc>
+                  <a:txBody>
+                    <a:bodyPr/>
+                    <a:lstStyle/>
+                    <a:p>
+                      <a:pPr>
+                        <a:lnSpc>
+                          <a:spcPct val="100000"/>
+                        </a:lnSpc>
+                        <a:spcBef>
+                          <a:spcPts val="400"/>
+                        </a:spcBef>
+                      </a:pPr>
+                      <a:r>
+                        <a:rPr lang="en-IN" sz="1050" b="1" dirty="0">
+                          <a:solidFill>
+                            <a:schemeClr val="tx1">
+                              <a:lumMod val="75000"/>
+                              <a:lumOff val="25000"/>
+                            </a:schemeClr>
+                          </a:solidFill>
+                        </a:rPr>
+                        <a:t>GPT5</a:t>
+                      </a:r>
+                    </a:p>
+                  </a:txBody>
+                  <a:tcPr marL="56771" marR="28386" marT="28386" marB="28386">
+                    <a:lnL w="12700" cap="flat" cmpd="sng" algn="ctr">
+                      <a:noFill/>
+                      <a:prstDash val="solid"/>
+                      <a:round/>
+                      <a:headEnd type="none" w="med" len="med"/>
+                      <a:tailEnd type="none" w="med" len="med"/>
+                    </a:lnL>
+                    <a:lnR w="12700" cap="flat" cmpd="sng" algn="ctr">
+                      <a:solidFill>
+                        <a:schemeClr val="tx1"/>
+                      </a:solidFill>
+                      <a:prstDash val="solid"/>
+                      <a:round/>
+                      <a:headEnd type="none" w="med" len="med"/>
+                      <a:tailEnd type="none" w="med" len="med"/>
+                    </a:lnR>
+                    <a:lnT w="12700" cap="flat" cmpd="sng" algn="ctr">
+                      <a:solidFill>
+                        <a:schemeClr val="tx1"/>
+                      </a:solidFill>
+                      <a:prstDash val="solid"/>
+                      <a:round/>
+                      <a:headEnd type="none" w="med" len="med"/>
+                      <a:tailEnd type="none" w="med" len="med"/>
+                    </a:lnT>
+                    <a:lnB w="12700" cap="flat" cmpd="sng" algn="ctr">
+                      <a:noFill/>
+                      <a:prstDash val="solid"/>
+                      <a:round/>
+                      <a:headEnd type="none" w="med" len="med"/>
+                      <a:tailEnd type="none" w="med" len="med"/>
+                    </a:lnB>
+                    <a:lnTlToBr w="12700" cmpd="sng">
+                      <a:noFill/>
+                      <a:prstDash val="solid"/>
+                    </a:lnTlToBr>
+                    <a:lnBlToTr w="12700" cmpd="sng">
+                      <a:noFill/>
+                      <a:prstDash val="solid"/>
+                    </a:lnBlToTr>
+                    <a:solidFill>
+                      <a:schemeClr val="accent3">
+                        <a:lumMod val="40000"/>
+                        <a:lumOff val="60000"/>
+                      </a:schemeClr>
+                    </a:solidFill>
+                  </a:tcPr>
+                </a:tc>
+                <a:extLst>
+                  <a:ext uri="{0D108BD9-81ED-4DB2-BD59-A6C34878D82A}">
+                    <a16:rowId xmlns:a16="http://schemas.microsoft.com/office/drawing/2014/main" val="2724899465"/>
+                  </a:ext>
+                </a:extLst>
+              </a:tr>
+              <a:tr h="526365">
+                <a:tc>
+                  <a:txBody>
+                    <a:bodyPr/>
+                    <a:lstStyle/>
+                    <a:p>
+                      <a:pPr>
+                        <a:lnSpc>
+                          <a:spcPct val="100000"/>
+                        </a:lnSpc>
+                        <a:spcBef>
+                          <a:spcPts val="400"/>
+                        </a:spcBef>
+                      </a:pPr>
+                      <a:r>
+                        <a:rPr lang="en-US" sz="1050" b="1" dirty="0">
+                          <a:solidFill>
+                            <a:schemeClr val="tx1">
+                              <a:lumMod val="75000"/>
+                              <a:lumOff val="25000"/>
+                            </a:schemeClr>
+                          </a:solidFill>
+                        </a:rPr>
+                        <a:t>Overall</a:t>
+                      </a:r>
+                    </a:p>
+                  </a:txBody>
+                  <a:tcPr marL="56771" marR="28386" marT="28386" marB="28386">
+                    <a:lnL w="12700" cap="flat" cmpd="sng" algn="ctr">
+                      <a:solidFill>
+                        <a:schemeClr val="tx1"/>
+                      </a:solidFill>
+                      <a:prstDash val="solid"/>
+                      <a:round/>
+                      <a:headEnd type="none" w="med" len="med"/>
+                      <a:tailEnd type="none" w="med" len="med"/>
+                    </a:lnL>
+                    <a:lnR w="12700" cap="flat" cmpd="sng" algn="ctr">
+                      <a:noFill/>
+                      <a:prstDash val="solid"/>
+                      <a:round/>
+                      <a:headEnd type="none" w="med" len="med"/>
+                      <a:tailEnd type="none" w="med" len="med"/>
+                    </a:lnR>
+                    <a:lnT w="12700" cap="flat" cmpd="sng" algn="ctr">
+                      <a:noFill/>
+                      <a:prstDash val="solid"/>
+                      <a:round/>
+                      <a:headEnd type="none" w="med" len="med"/>
+                      <a:tailEnd type="none" w="med" len="med"/>
+                    </a:lnT>
+                    <a:lnB w="12700" cap="flat" cmpd="sng" algn="ctr">
+                      <a:noFill/>
+                      <a:prstDash val="solid"/>
+                      <a:round/>
+                      <a:headEnd type="none" w="med" len="med"/>
+                      <a:tailEnd type="none" w="med" len="med"/>
+                    </a:lnB>
+                    <a:lnTlToBr w="12700" cmpd="sng">
+                      <a:noFill/>
+                      <a:prstDash val="solid"/>
+                    </a:lnTlToBr>
+                    <a:lnBlToTr w="12700" cmpd="sng">
+                      <a:noFill/>
+                      <a:prstDash val="solid"/>
+                    </a:lnBlToTr>
+                    <a:solidFill>
+                      <a:schemeClr val="accent3">
+                        <a:lumMod val="40000"/>
+                        <a:lumOff val="60000"/>
+                      </a:schemeClr>
+                    </a:solidFill>
+                  </a:tcPr>
+                </a:tc>
+                <a:tc>
+                  <a:txBody>
+                    <a:bodyPr/>
+                    <a:lstStyle/>
+                    <a:p>
+                      <a:pPr marL="0" marR="0" lvl="0" indent="0" algn="l" defTabSz="914400" rtl="0" eaLnBrk="1" fontAlgn="auto" latinLnBrk="0" hangingPunct="1">
+                        <a:lnSpc>
+                          <a:spcPct val="100000"/>
+                        </a:lnSpc>
+                        <a:spcBef>
+                          <a:spcPts val="400"/>
+                        </a:spcBef>
+                        <a:spcAft>
+                          <a:spcPts val="0"/>
+                        </a:spcAft>
+                        <a:buClrTx/>
+                        <a:buSzTx/>
+                        <a:buFontTx/>
+                        <a:buNone/>
+                        <a:tabLst/>
+                        <a:defRPr/>
+                      </a:pPr>
+                      <a:r>
+                        <a:rPr lang="en-IN" sz="1050" dirty="0">
+                          <a:solidFill>
+                            <a:schemeClr val="tx1">
+                              <a:lumMod val="75000"/>
+                              <a:lumOff val="25000"/>
+                            </a:schemeClr>
+                          </a:solidFill>
+                        </a:rPr>
+                        <a:t>Good Structure, Limited Technical Details</a:t>
+                      </a:r>
+                    </a:p>
+                  </a:txBody>
+                  <a:tcPr marL="56771" marR="28386" marT="28386" marB="28386">
+                    <a:lnL w="12700" cap="flat" cmpd="sng" algn="ctr">
+                      <a:noFill/>
+                      <a:prstDash val="solid"/>
+                      <a:round/>
+                      <a:headEnd type="none" w="med" len="med"/>
+                      <a:tailEnd type="none" w="med" len="med"/>
+                    </a:lnL>
+                    <a:lnR w="12700" cap="flat" cmpd="sng" algn="ctr">
+                      <a:noFill/>
+                      <a:prstDash val="solid"/>
+                      <a:round/>
+                      <a:headEnd type="none" w="med" len="med"/>
+                      <a:tailEnd type="none" w="med" len="med"/>
+                    </a:lnR>
+                    <a:lnT w="12700" cap="flat" cmpd="sng" algn="ctr">
+                      <a:noFill/>
+                      <a:prstDash val="solid"/>
+                      <a:round/>
+                      <a:headEnd type="none" w="med" len="med"/>
+                      <a:tailEnd type="none" w="med" len="med"/>
+                    </a:lnT>
+                    <a:lnB w="12700" cap="flat" cmpd="sng" algn="ctr">
+                      <a:noFill/>
+                      <a:prstDash val="solid"/>
+                      <a:round/>
+                      <a:headEnd type="none" w="med" len="med"/>
+                      <a:tailEnd type="none" w="med" len="med"/>
+                    </a:lnB>
+                    <a:lnTlToBr w="12700" cmpd="sng">
+                      <a:noFill/>
+                      <a:prstDash val="solid"/>
+                    </a:lnTlToBr>
+                    <a:lnBlToTr w="12700" cmpd="sng">
+                      <a:noFill/>
+                      <a:prstDash val="solid"/>
+                    </a:lnBlToTr>
+                    <a:solidFill>
+                      <a:srgbClr val="D8DEDC">
+                        <a:alpha val="20000"/>
+                      </a:srgbClr>
+                    </a:solidFill>
+                  </a:tcPr>
+                </a:tc>
+                <a:tc>
+                  <a:txBody>
+                    <a:bodyPr/>
+                    <a:lstStyle/>
+                    <a:p>
+                      <a:pPr>
+                        <a:lnSpc>
+                          <a:spcPct val="100000"/>
+                        </a:lnSpc>
+                        <a:spcBef>
+                          <a:spcPts val="400"/>
+                        </a:spcBef>
+                      </a:pPr>
+                      <a:r>
+                        <a:rPr lang="en-IN" sz="1050" dirty="0">
+                          <a:solidFill>
+                            <a:schemeClr val="tx1">
+                              <a:lumMod val="75000"/>
+                              <a:lumOff val="25000"/>
+                            </a:schemeClr>
+                          </a:solidFill>
+                        </a:rPr>
+                        <a:t>Basic Structure, Very Limited Technical Guidance</a:t>
+                      </a:r>
+                      <a:endParaRPr lang="en-US" sz="1050" dirty="0">
+                        <a:solidFill>
+                          <a:schemeClr val="tx1">
+                            <a:lumMod val="75000"/>
+                            <a:lumOff val="25000"/>
+                          </a:schemeClr>
+                        </a:solidFill>
+                      </a:endParaRPr>
+                    </a:p>
+                  </a:txBody>
+                  <a:tcPr marL="56771" marR="28386" marT="28386" marB="28386">
+                    <a:lnL w="12700" cap="flat" cmpd="sng" algn="ctr">
+                      <a:noFill/>
+                      <a:prstDash val="solid"/>
+                      <a:round/>
+                      <a:headEnd type="none" w="med" len="med"/>
+                      <a:tailEnd type="none" w="med" len="med"/>
+                    </a:lnL>
+                    <a:lnR w="12700" cap="flat" cmpd="sng" algn="ctr">
+                      <a:noFill/>
+                      <a:prstDash val="solid"/>
+                      <a:round/>
+                      <a:headEnd type="none" w="med" len="med"/>
+                      <a:tailEnd type="none" w="med" len="med"/>
+                    </a:lnR>
+                    <a:lnT w="12700" cap="flat" cmpd="sng" algn="ctr">
+                      <a:noFill/>
+                      <a:prstDash val="solid"/>
+                      <a:round/>
+                      <a:headEnd type="none" w="med" len="med"/>
+                      <a:tailEnd type="none" w="med" len="med"/>
+                    </a:lnT>
+                    <a:lnB w="12700" cap="flat" cmpd="sng" algn="ctr">
+                      <a:noFill/>
+                      <a:prstDash val="solid"/>
+                      <a:round/>
+                      <a:headEnd type="none" w="med" len="med"/>
+                      <a:tailEnd type="none" w="med" len="med"/>
+                    </a:lnB>
+                    <a:lnTlToBr w="12700" cmpd="sng">
+                      <a:noFill/>
+                      <a:prstDash val="solid"/>
+                    </a:lnTlToBr>
+                    <a:lnBlToTr w="12700" cmpd="sng">
+                      <a:noFill/>
+                      <a:prstDash val="solid"/>
+                    </a:lnBlToTr>
+                    <a:solidFill>
+                      <a:srgbClr val="D8DEDC">
+                        <a:alpha val="20000"/>
+                      </a:srgbClr>
+                    </a:solidFill>
+                  </a:tcPr>
+                </a:tc>
+                <a:tc>
+                  <a:txBody>
+                    <a:bodyPr/>
+                    <a:lstStyle/>
+                    <a:p>
+                      <a:pPr>
+                        <a:lnSpc>
+                          <a:spcPct val="100000"/>
+                        </a:lnSpc>
+                        <a:spcBef>
+                          <a:spcPts val="400"/>
+                        </a:spcBef>
+                      </a:pPr>
+                      <a:r>
+                        <a:rPr lang="en-IN" sz="1050">
+                          <a:solidFill>
+                            <a:schemeClr val="tx1">
+                              <a:lumMod val="75000"/>
+                              <a:lumOff val="25000"/>
+                            </a:schemeClr>
+                          </a:solidFill>
+                        </a:rPr>
+                        <a:t>Comprehensive Technical Roadma</a:t>
+                      </a:r>
+                      <a:r>
+                        <a:rPr lang="en-US" sz="1050">
+                          <a:solidFill>
+                            <a:schemeClr val="tx1">
+                              <a:lumMod val="75000"/>
+                              <a:lumOff val="25000"/>
+                            </a:schemeClr>
+                          </a:solidFill>
+                        </a:rPr>
+                        <a:t>p</a:t>
+                      </a:r>
+                    </a:p>
+                  </a:txBody>
+                  <a:tcPr marL="56771" marR="28386" marT="28386" marB="28386">
+                    <a:lnL w="12700" cap="flat" cmpd="sng" algn="ctr">
+                      <a:noFill/>
+                      <a:prstDash val="solid"/>
+                      <a:round/>
+                      <a:headEnd type="none" w="med" len="med"/>
+                      <a:tailEnd type="none" w="med" len="med"/>
+                    </a:lnL>
+                    <a:lnR w="12700" cap="flat" cmpd="sng" algn="ctr">
+                      <a:solidFill>
+                        <a:schemeClr val="tx1"/>
+                      </a:solidFill>
+                      <a:prstDash val="solid"/>
+                      <a:round/>
+                      <a:headEnd type="none" w="med" len="med"/>
+                      <a:tailEnd type="none" w="med" len="med"/>
+                    </a:lnR>
+                    <a:lnT w="12700" cap="flat" cmpd="sng" algn="ctr">
+                      <a:noFill/>
+                      <a:prstDash val="solid"/>
+                      <a:round/>
+                      <a:headEnd type="none" w="med" len="med"/>
+                      <a:tailEnd type="none" w="med" len="med"/>
+                    </a:lnT>
+                    <a:lnB w="12700" cap="flat" cmpd="sng" algn="ctr">
+                      <a:noFill/>
+                      <a:prstDash val="solid"/>
+                      <a:round/>
+                      <a:headEnd type="none" w="med" len="med"/>
+                      <a:tailEnd type="none" w="med" len="med"/>
+                    </a:lnB>
+                    <a:lnTlToBr w="12700" cmpd="sng">
+                      <a:noFill/>
+                      <a:prstDash val="solid"/>
+                    </a:lnTlToBr>
+                    <a:lnBlToTr w="12700" cmpd="sng">
+                      <a:noFill/>
+                      <a:prstDash val="solid"/>
+                    </a:lnBlToTr>
+                    <a:solidFill>
+                      <a:srgbClr val="D8DEDC">
+                        <a:alpha val="20000"/>
+                      </a:srgbClr>
+                    </a:solidFill>
+                  </a:tcPr>
+                </a:tc>
+                <a:extLst>
+                  <a:ext uri="{0D108BD9-81ED-4DB2-BD59-A6C34878D82A}">
+                    <a16:rowId xmlns:a16="http://schemas.microsoft.com/office/drawing/2014/main" val="31460382"/>
+                  </a:ext>
+                </a:extLst>
+              </a:tr>
+              <a:tr h="2297992">
+                <a:tc>
+                  <a:txBody>
+                    <a:bodyPr/>
+                    <a:lstStyle/>
+                    <a:p>
+                      <a:pPr>
+                        <a:lnSpc>
+                          <a:spcPct val="100000"/>
+                        </a:lnSpc>
+                        <a:spcBef>
+                          <a:spcPts val="400"/>
+                        </a:spcBef>
+                      </a:pPr>
+                      <a:r>
+                        <a:rPr lang="en-US" sz="1050" b="1" dirty="0">
+                          <a:solidFill>
+                            <a:schemeClr val="tx1">
+                              <a:lumMod val="75000"/>
+                              <a:lumOff val="25000"/>
+                            </a:schemeClr>
+                          </a:solidFill>
+                        </a:rPr>
+                        <a:t>Strengths</a:t>
+                      </a:r>
+                    </a:p>
+                  </a:txBody>
+                  <a:tcPr marL="56771" marR="28386" marT="28386" marB="28386">
+                    <a:lnL w="12700" cap="flat" cmpd="sng" algn="ctr">
+                      <a:solidFill>
+                        <a:schemeClr val="tx1"/>
+                      </a:solidFill>
+                      <a:prstDash val="solid"/>
+                      <a:round/>
+                      <a:headEnd type="none" w="med" len="med"/>
+                      <a:tailEnd type="none" w="med" len="med"/>
+                    </a:lnL>
+                    <a:lnR w="12700" cap="flat" cmpd="sng" algn="ctr">
+                      <a:noFill/>
+                      <a:prstDash val="solid"/>
+                      <a:round/>
+                      <a:headEnd type="none" w="med" len="med"/>
+                      <a:tailEnd type="none" w="med" len="med"/>
+                    </a:lnR>
+                    <a:lnT w="12700" cap="flat" cmpd="sng" algn="ctr">
+                      <a:noFill/>
+                      <a:prstDash val="solid"/>
+                      <a:round/>
+                      <a:headEnd type="none" w="med" len="med"/>
+                      <a:tailEnd type="none" w="med" len="med"/>
+                    </a:lnT>
+                    <a:lnB w="12700" cap="flat" cmpd="sng" algn="ctr">
+                      <a:noFill/>
+                      <a:prstDash val="solid"/>
+                      <a:round/>
+                      <a:headEnd type="none" w="med" len="med"/>
+                      <a:tailEnd type="none" w="med" len="med"/>
+                    </a:lnB>
+                    <a:lnTlToBr w="12700" cmpd="sng">
+                      <a:noFill/>
+                      <a:prstDash val="solid"/>
+                    </a:lnTlToBr>
+                    <a:lnBlToTr w="12700" cmpd="sng">
+                      <a:noFill/>
+                      <a:prstDash val="solid"/>
+                    </a:lnBlToTr>
+                    <a:solidFill>
+                      <a:schemeClr val="accent3">
+                        <a:lumMod val="40000"/>
+                        <a:lumOff val="60000"/>
+                      </a:schemeClr>
+                    </a:solidFill>
+                  </a:tcPr>
+                </a:tc>
+                <a:tc>
+                  <a:txBody>
+                    <a:bodyPr/>
+                    <a:lstStyle/>
+                    <a:p>
+                      <a:pPr marL="0" indent="0">
+                        <a:lnSpc>
+                          <a:spcPct val="100000"/>
+                        </a:lnSpc>
+                        <a:spcBef>
+                          <a:spcPts val="400"/>
+                        </a:spcBef>
+                        <a:spcAft>
+                          <a:spcPts val="0"/>
+                        </a:spcAft>
+                        <a:buNone/>
+                      </a:pPr>
+                      <a:r>
+                        <a:rPr lang="en-IN" sz="1050" dirty="0">
+                          <a:solidFill>
+                            <a:schemeClr val="tx1">
+                              <a:lumMod val="75000"/>
+                              <a:lumOff val="25000"/>
+                            </a:schemeClr>
+                          </a:solidFill>
+                        </a:rPr>
+                        <a:t>✅ Clear 9-section structure</a:t>
+                      </a:r>
+                    </a:p>
+                    <a:p>
+                      <a:pPr marL="0" indent="0">
+                        <a:lnSpc>
+                          <a:spcPct val="100000"/>
+                        </a:lnSpc>
+                        <a:spcBef>
+                          <a:spcPts val="400"/>
+                        </a:spcBef>
+                        <a:spcAft>
+                          <a:spcPts val="0"/>
+                        </a:spcAft>
+                        <a:buNone/>
+                      </a:pPr>
+                      <a:r>
+                        <a:rPr lang="en-IN" sz="1050" dirty="0">
+                          <a:solidFill>
+                            <a:schemeClr val="tx1">
+                              <a:lumMod val="75000"/>
+                              <a:lumOff val="25000"/>
+                            </a:schemeClr>
+                          </a:solidFill>
+                        </a:rPr>
+                        <a:t>✅ Good Gherkin-style acceptance criteria</a:t>
+                      </a:r>
+                    </a:p>
+                    <a:p>
+                      <a:pPr marL="0" indent="0">
+                        <a:lnSpc>
+                          <a:spcPct val="100000"/>
+                        </a:lnSpc>
+                        <a:spcBef>
+                          <a:spcPts val="400"/>
+                        </a:spcBef>
+                        <a:spcAft>
+                          <a:spcPts val="0"/>
+                        </a:spcAft>
+                        <a:buNone/>
+                      </a:pPr>
+                      <a:r>
+                        <a:rPr lang="en-IN" sz="1050" dirty="0">
+                          <a:solidFill>
+                            <a:schemeClr val="tx1">
+                              <a:lumMod val="75000"/>
+                              <a:lumOff val="25000"/>
+                            </a:schemeClr>
+                          </a:solidFill>
+                        </a:rPr>
+                        <a:t>✅ Reasonable separation of in-scope vs. out-of-scope</a:t>
+                      </a:r>
+                    </a:p>
+                    <a:p>
+                      <a:pPr marL="0" indent="0">
+                        <a:lnSpc>
+                          <a:spcPct val="100000"/>
+                        </a:lnSpc>
+                        <a:spcBef>
+                          <a:spcPts val="400"/>
+                        </a:spcBef>
+                        <a:spcAft>
+                          <a:spcPts val="0"/>
+                        </a:spcAft>
+                        <a:buNone/>
+                      </a:pPr>
+                      <a:r>
+                        <a:rPr lang="en-IN" sz="1050" dirty="0">
+                          <a:solidFill>
+                            <a:schemeClr val="tx1">
+                              <a:lumMod val="75000"/>
+                              <a:lumOff val="25000"/>
+                            </a:schemeClr>
+                          </a:solidFill>
+                        </a:rPr>
+                        <a:t>✅ Mentions security/authorization requirements</a:t>
+                      </a:r>
+                    </a:p>
+                  </a:txBody>
+                  <a:tcPr marL="56771" marR="28386" marT="28386" marB="28386">
+                    <a:lnL w="12700" cap="flat" cmpd="sng" algn="ctr">
+                      <a:noFill/>
+                      <a:prstDash val="solid"/>
+                      <a:round/>
+                      <a:headEnd type="none" w="med" len="med"/>
+                      <a:tailEnd type="none" w="med" len="med"/>
+                    </a:lnL>
+                    <a:lnR w="12700" cap="flat" cmpd="sng" algn="ctr">
+                      <a:noFill/>
+                      <a:prstDash val="solid"/>
+                      <a:round/>
+                      <a:headEnd type="none" w="med" len="med"/>
+                      <a:tailEnd type="none" w="med" len="med"/>
+                    </a:lnR>
+                    <a:lnT w="12700" cap="flat" cmpd="sng" algn="ctr">
+                      <a:noFill/>
+                      <a:prstDash val="solid"/>
+                      <a:round/>
+                      <a:headEnd type="none" w="med" len="med"/>
+                      <a:tailEnd type="none" w="med" len="med"/>
+                    </a:lnT>
+                    <a:lnB w="12700" cap="flat" cmpd="sng" algn="ctr">
+                      <a:noFill/>
+                      <a:prstDash val="solid"/>
+                      <a:round/>
+                      <a:headEnd type="none" w="med" len="med"/>
+                      <a:tailEnd type="none" w="med" len="med"/>
+                    </a:lnB>
+                    <a:lnTlToBr w="12700" cmpd="sng">
+                      <a:noFill/>
+                      <a:prstDash val="solid"/>
+                    </a:lnTlToBr>
+                    <a:lnBlToTr w="12700" cmpd="sng">
+                      <a:noFill/>
+                      <a:prstDash val="solid"/>
+                    </a:lnBlToTr>
+                    <a:noFill/>
+                  </a:tcPr>
+                </a:tc>
+                <a:tc>
+                  <a:txBody>
+                    <a:bodyPr/>
+                    <a:lstStyle/>
+                    <a:p>
+                      <a:pPr marL="0" indent="0">
+                        <a:lnSpc>
+                          <a:spcPct val="100000"/>
+                        </a:lnSpc>
+                        <a:spcBef>
+                          <a:spcPts val="400"/>
+                        </a:spcBef>
+                        <a:spcAft>
+                          <a:spcPts val="0"/>
+                        </a:spcAft>
+                        <a:buNone/>
+                      </a:pPr>
+                      <a:r>
+                        <a:rPr lang="en-IN" sz="1050" dirty="0">
+                          <a:solidFill>
+                            <a:schemeClr val="tx1">
+                              <a:lumMod val="75000"/>
+                              <a:lumOff val="25000"/>
+                            </a:schemeClr>
+                          </a:solidFill>
+                        </a:rPr>
+                        <a:t>✅ Consistent structure across stories</a:t>
+                      </a:r>
+                    </a:p>
+                    <a:p>
+                      <a:pPr marL="0" indent="0">
+                        <a:lnSpc>
+                          <a:spcPct val="100000"/>
+                        </a:lnSpc>
+                        <a:spcBef>
+                          <a:spcPts val="400"/>
+                        </a:spcBef>
+                        <a:spcAft>
+                          <a:spcPts val="0"/>
+                        </a:spcAft>
+                        <a:buNone/>
+                      </a:pPr>
+                      <a:r>
+                        <a:rPr lang="en-IN" sz="1050" dirty="0">
+                          <a:solidFill>
+                            <a:schemeClr val="tx1">
+                              <a:lumMod val="75000"/>
+                              <a:lumOff val="25000"/>
+                            </a:schemeClr>
+                          </a:solidFill>
+                        </a:rPr>
+                        <a:t>✅ Basic Gherkin acceptance criteria</a:t>
+                      </a:r>
+                    </a:p>
+                    <a:p>
+                      <a:pPr marL="0" indent="0">
+                        <a:lnSpc>
+                          <a:spcPct val="100000"/>
+                        </a:lnSpc>
+                        <a:spcBef>
+                          <a:spcPts val="400"/>
+                        </a:spcBef>
+                        <a:spcAft>
+                          <a:spcPts val="0"/>
+                        </a:spcAft>
+                        <a:buNone/>
+                      </a:pPr>
+                      <a:r>
+                        <a:rPr lang="en-IN" sz="1050" dirty="0">
+                          <a:solidFill>
+                            <a:schemeClr val="tx1">
+                              <a:lumMod val="75000"/>
+                              <a:lumOff val="25000"/>
+                            </a:schemeClr>
+                          </a:solidFill>
+                        </a:rPr>
+                        <a:t>✅ Includes business context</a:t>
+                      </a:r>
+                    </a:p>
+                  </a:txBody>
+                  <a:tcPr marL="56771" marR="28386" marT="28386" marB="28386">
+                    <a:lnL w="12700" cap="flat" cmpd="sng" algn="ctr">
+                      <a:noFill/>
+                      <a:prstDash val="solid"/>
+                      <a:round/>
+                      <a:headEnd type="none" w="med" len="med"/>
+                      <a:tailEnd type="none" w="med" len="med"/>
+                    </a:lnL>
+                    <a:lnR w="12700" cap="flat" cmpd="sng" algn="ctr">
+                      <a:noFill/>
+                      <a:prstDash val="solid"/>
+                      <a:round/>
+                      <a:headEnd type="none" w="med" len="med"/>
+                      <a:tailEnd type="none" w="med" len="med"/>
+                    </a:lnR>
+                    <a:lnT w="12700" cap="flat" cmpd="sng" algn="ctr">
+                      <a:noFill/>
+                      <a:prstDash val="solid"/>
+                      <a:round/>
+                      <a:headEnd type="none" w="med" len="med"/>
+                      <a:tailEnd type="none" w="med" len="med"/>
+                    </a:lnT>
+                    <a:lnB w="12700" cap="flat" cmpd="sng" algn="ctr">
+                      <a:noFill/>
+                      <a:prstDash val="solid"/>
+                      <a:round/>
+                      <a:headEnd type="none" w="med" len="med"/>
+                      <a:tailEnd type="none" w="med" len="med"/>
+                    </a:lnB>
+                    <a:lnTlToBr w="12700" cmpd="sng">
+                      <a:noFill/>
+                      <a:prstDash val="solid"/>
+                    </a:lnTlToBr>
+                    <a:lnBlToTr w="12700" cmpd="sng">
+                      <a:noFill/>
+                      <a:prstDash val="solid"/>
+                    </a:lnBlToTr>
+                    <a:noFill/>
+                  </a:tcPr>
+                </a:tc>
+                <a:tc>
+                  <a:txBody>
+                    <a:bodyPr/>
+                    <a:lstStyle/>
+                    <a:p>
+                      <a:pPr marL="0" indent="0">
+                        <a:lnSpc>
+                          <a:spcPct val="100000"/>
+                        </a:lnSpc>
+                        <a:spcBef>
+                          <a:spcPts val="400"/>
+                        </a:spcBef>
+                        <a:spcAft>
+                          <a:spcPts val="0"/>
+                        </a:spcAft>
+                        <a:buNone/>
+                      </a:pPr>
+                      <a:r>
+                        <a:rPr lang="en-IN" sz="1050" dirty="0">
+                          <a:solidFill>
+                            <a:schemeClr val="tx1">
+                              <a:lumMod val="75000"/>
+                              <a:lumOff val="25000"/>
+                            </a:schemeClr>
+                          </a:solidFill>
+                        </a:rPr>
+                        <a:t>✅ Extremely detailed technical specifications</a:t>
+                      </a:r>
+                    </a:p>
+                    <a:p>
+                      <a:pPr marL="0" indent="0">
+                        <a:lnSpc>
+                          <a:spcPct val="100000"/>
+                        </a:lnSpc>
+                        <a:spcBef>
+                          <a:spcPts val="400"/>
+                        </a:spcBef>
+                        <a:spcAft>
+                          <a:spcPts val="0"/>
+                        </a:spcAft>
+                        <a:buNone/>
+                      </a:pPr>
+                      <a:r>
+                        <a:rPr lang="en-IN" sz="1050" dirty="0">
+                          <a:solidFill>
+                            <a:schemeClr val="tx1">
+                              <a:lumMod val="75000"/>
+                              <a:lumOff val="25000"/>
+                            </a:schemeClr>
+                          </a:solidFill>
+                        </a:rPr>
+                        <a:t>✅ Exact class names and methods to implement</a:t>
+                      </a:r>
+                    </a:p>
+                    <a:p>
+                      <a:pPr marL="0" indent="0">
+                        <a:lnSpc>
+                          <a:spcPct val="100000"/>
+                        </a:lnSpc>
+                        <a:spcBef>
+                          <a:spcPts val="400"/>
+                        </a:spcBef>
+                        <a:spcAft>
+                          <a:spcPts val="0"/>
+                        </a:spcAft>
+                        <a:buNone/>
+                      </a:pPr>
+                      <a:r>
+                        <a:rPr lang="en-IN" sz="1050" dirty="0">
+                          <a:solidFill>
+                            <a:schemeClr val="tx1">
+                              <a:lumMod val="75000"/>
+                              <a:lumOff val="25000"/>
+                            </a:schemeClr>
+                          </a:solidFill>
+                        </a:rPr>
+                        <a:t>✅ Precise API endpoints with parameters </a:t>
+                      </a:r>
+                    </a:p>
+                    <a:p>
+                      <a:pPr marL="0" indent="0">
+                        <a:lnSpc>
+                          <a:spcPct val="100000"/>
+                        </a:lnSpc>
+                        <a:spcBef>
+                          <a:spcPts val="400"/>
+                        </a:spcBef>
+                        <a:spcAft>
+                          <a:spcPts val="0"/>
+                        </a:spcAft>
+                        <a:buNone/>
+                      </a:pPr>
+                      <a:r>
+                        <a:rPr lang="en-IN" sz="1050" dirty="0">
+                          <a:solidFill>
+                            <a:schemeClr val="tx1">
+                              <a:lumMod val="75000"/>
+                              <a:lumOff val="25000"/>
+                            </a:schemeClr>
+                          </a:solidFill>
+                        </a:rPr>
+                        <a:t>✅ Data model guidance </a:t>
+                      </a:r>
+                    </a:p>
+                    <a:p>
+                      <a:pPr marL="0" indent="0">
+                        <a:lnSpc>
+                          <a:spcPct val="100000"/>
+                        </a:lnSpc>
+                        <a:spcBef>
+                          <a:spcPts val="400"/>
+                        </a:spcBef>
+                        <a:spcAft>
+                          <a:spcPts val="0"/>
+                        </a:spcAft>
+                        <a:buNone/>
+                      </a:pPr>
+                      <a:r>
+                        <a:rPr lang="en-IN" sz="1050" dirty="0">
+                          <a:solidFill>
+                            <a:schemeClr val="tx1">
+                              <a:lumMod val="75000"/>
+                              <a:lumOff val="25000"/>
+                            </a:schemeClr>
+                          </a:solidFill>
+                        </a:rPr>
+                        <a:t>✅ Comprehensive acceptance criteria</a:t>
+                      </a:r>
+                    </a:p>
+                    <a:p>
+                      <a:pPr marL="0" indent="0">
+                        <a:lnSpc>
+                          <a:spcPct val="100000"/>
+                        </a:lnSpc>
+                        <a:spcBef>
+                          <a:spcPts val="400"/>
+                        </a:spcBef>
+                        <a:spcAft>
+                          <a:spcPts val="0"/>
+                        </a:spcAft>
+                        <a:buNone/>
+                      </a:pPr>
+                      <a:r>
+                        <a:rPr lang="en-IN" sz="1050" dirty="0">
+                          <a:solidFill>
+                            <a:schemeClr val="tx1">
+                              <a:lumMod val="75000"/>
+                              <a:lumOff val="25000"/>
+                            </a:schemeClr>
+                          </a:solidFill>
+                        </a:rPr>
+                        <a:t>✅ Security implementation details</a:t>
+                      </a:r>
+                    </a:p>
+                    <a:p>
+                      <a:pPr marL="0" indent="0">
+                        <a:lnSpc>
+                          <a:spcPct val="100000"/>
+                        </a:lnSpc>
+                        <a:spcBef>
+                          <a:spcPts val="400"/>
+                        </a:spcBef>
+                        <a:spcAft>
+                          <a:spcPts val="0"/>
+                        </a:spcAft>
+                        <a:buNone/>
+                      </a:pPr>
+                      <a:r>
+                        <a:rPr lang="en-IN" sz="1050" dirty="0">
+                          <a:solidFill>
+                            <a:schemeClr val="tx1">
+                              <a:lumMod val="75000"/>
+                              <a:lumOff val="25000"/>
+                            </a:schemeClr>
+                          </a:solidFill>
+                        </a:rPr>
+                        <a:t>✅ Performance constraints and considerations</a:t>
+                      </a:r>
+                    </a:p>
+                  </a:txBody>
+                  <a:tcPr marL="56771" marR="28386" marT="28386" marB="28386">
+                    <a:lnL w="12700" cap="flat" cmpd="sng" algn="ctr">
+                      <a:noFill/>
+                      <a:prstDash val="solid"/>
+                      <a:round/>
+                      <a:headEnd type="none" w="med" len="med"/>
+                      <a:tailEnd type="none" w="med" len="med"/>
+                    </a:lnL>
+                    <a:lnR w="12700" cap="flat" cmpd="sng" algn="ctr">
+                      <a:solidFill>
+                        <a:schemeClr val="tx1"/>
+                      </a:solidFill>
+                      <a:prstDash val="solid"/>
+                      <a:round/>
+                      <a:headEnd type="none" w="med" len="med"/>
+                      <a:tailEnd type="none" w="med" len="med"/>
+                    </a:lnR>
+                    <a:lnT w="12700" cap="flat" cmpd="sng" algn="ctr">
+                      <a:noFill/>
+                      <a:prstDash val="solid"/>
+                      <a:round/>
+                      <a:headEnd type="none" w="med" len="med"/>
+                      <a:tailEnd type="none" w="med" len="med"/>
+                    </a:lnT>
+                    <a:lnB w="12700" cap="flat" cmpd="sng" algn="ctr">
+                      <a:noFill/>
+                      <a:prstDash val="solid"/>
+                      <a:round/>
+                      <a:headEnd type="none" w="med" len="med"/>
+                      <a:tailEnd type="none" w="med" len="med"/>
+                    </a:lnB>
+                    <a:lnTlToBr w="12700" cmpd="sng">
+                      <a:noFill/>
+                      <a:prstDash val="solid"/>
+                    </a:lnTlToBr>
+                    <a:lnBlToTr w="12700" cmpd="sng">
+                      <a:noFill/>
+                      <a:prstDash val="solid"/>
+                    </a:lnBlToTr>
+                    <a:noFill/>
+                  </a:tcPr>
+                </a:tc>
+                <a:extLst>
+                  <a:ext uri="{0D108BD9-81ED-4DB2-BD59-A6C34878D82A}">
+                    <a16:rowId xmlns:a16="http://schemas.microsoft.com/office/drawing/2014/main" val="3157874593"/>
+                  </a:ext>
+                </a:extLst>
+              </a:tr>
+              <a:tr h="1875557">
+                <a:tc>
+                  <a:txBody>
+                    <a:bodyPr/>
+                    <a:lstStyle/>
+                    <a:p>
+                      <a:pPr>
+                        <a:lnSpc>
+                          <a:spcPct val="100000"/>
+                        </a:lnSpc>
+                        <a:spcBef>
+                          <a:spcPts val="400"/>
+                        </a:spcBef>
+                      </a:pPr>
+                      <a:r>
+                        <a:rPr lang="en-US" sz="1050" b="1" dirty="0">
+                          <a:solidFill>
+                            <a:schemeClr val="tx1">
+                              <a:lumMod val="75000"/>
+                              <a:lumOff val="25000"/>
+                            </a:schemeClr>
+                          </a:solidFill>
+                        </a:rPr>
+                        <a:t>Limitations</a:t>
+                      </a:r>
+                    </a:p>
+                  </a:txBody>
+                  <a:tcPr marL="56771" marR="28386" marT="28386" marB="28386">
+                    <a:lnL w="12700" cap="flat" cmpd="sng" algn="ctr">
+                      <a:solidFill>
+                        <a:schemeClr val="tx1"/>
+                      </a:solidFill>
+                      <a:prstDash val="solid"/>
+                      <a:round/>
+                      <a:headEnd type="none" w="med" len="med"/>
+                      <a:tailEnd type="none" w="med" len="med"/>
+                    </a:lnL>
+                    <a:lnR w="12700" cap="flat" cmpd="sng" algn="ctr">
+                      <a:noFill/>
+                      <a:prstDash val="solid"/>
+                      <a:round/>
+                      <a:headEnd type="none" w="med" len="med"/>
+                      <a:tailEnd type="none" w="med" len="med"/>
+                    </a:lnR>
+                    <a:lnT w="12700" cap="flat" cmpd="sng" algn="ctr">
+                      <a:noFill/>
+                      <a:prstDash val="solid"/>
+                      <a:round/>
+                      <a:headEnd type="none" w="med" len="med"/>
+                      <a:tailEnd type="none" w="med" len="med"/>
+                    </a:lnT>
+                    <a:lnB w="12700" cap="flat" cmpd="sng" algn="ctr">
+                      <a:solidFill>
+                        <a:schemeClr val="tx1"/>
+                      </a:solidFill>
+                      <a:prstDash val="solid"/>
+                      <a:round/>
+                      <a:headEnd type="none" w="med" len="med"/>
+                      <a:tailEnd type="none" w="med" len="med"/>
+                    </a:lnB>
+                    <a:lnTlToBr w="12700" cmpd="sng">
+                      <a:noFill/>
+                      <a:prstDash val="solid"/>
+                    </a:lnTlToBr>
+                    <a:lnBlToTr w="12700" cmpd="sng">
+                      <a:noFill/>
+                      <a:prstDash val="solid"/>
+                    </a:lnBlToTr>
+                    <a:solidFill>
+                      <a:schemeClr val="accent3">
+                        <a:lumMod val="40000"/>
+                        <a:lumOff val="60000"/>
+                      </a:schemeClr>
+                    </a:solidFill>
+                  </a:tcPr>
+                </a:tc>
+                <a:tc>
+                  <a:txBody>
+                    <a:bodyPr/>
+                    <a:lstStyle/>
+                    <a:p>
+                      <a:pPr marL="0" indent="0">
+                        <a:lnSpc>
+                          <a:spcPct val="100000"/>
+                        </a:lnSpc>
+                        <a:spcBef>
+                          <a:spcPts val="400"/>
+                        </a:spcBef>
+                        <a:spcAft>
+                          <a:spcPts val="0"/>
+                        </a:spcAft>
+                        <a:buNone/>
+                      </a:pPr>
+                      <a:r>
+                        <a:rPr lang="en-IN" sz="1050" dirty="0">
+                          <a:solidFill>
+                            <a:schemeClr val="tx1">
+                              <a:lumMod val="75000"/>
+                              <a:lumOff val="25000"/>
+                            </a:schemeClr>
+                          </a:solidFill>
+                        </a:rPr>
+                        <a:t>❌ Technical details are somewhat general</a:t>
+                      </a:r>
+                    </a:p>
+                    <a:p>
+                      <a:pPr marL="0" indent="0">
+                        <a:lnSpc>
+                          <a:spcPct val="100000"/>
+                        </a:lnSpc>
+                        <a:spcBef>
+                          <a:spcPts val="400"/>
+                        </a:spcBef>
+                        <a:spcAft>
+                          <a:spcPts val="0"/>
+                        </a:spcAft>
+                        <a:buNone/>
+                      </a:pPr>
+                      <a:r>
+                        <a:rPr lang="en-IN" sz="1050" dirty="0">
+                          <a:solidFill>
+                            <a:schemeClr val="tx1">
+                              <a:lumMod val="75000"/>
+                              <a:lumOff val="25000"/>
+                            </a:schemeClr>
+                          </a:solidFill>
+                        </a:rPr>
+                        <a:t>❌ Doesn't specify exact class names or implementation patterns</a:t>
+                      </a:r>
+                    </a:p>
+                    <a:p>
+                      <a:pPr marL="0" indent="0">
+                        <a:lnSpc>
+                          <a:spcPct val="100000"/>
+                        </a:lnSpc>
+                        <a:spcBef>
+                          <a:spcPts val="400"/>
+                        </a:spcBef>
+                        <a:spcAft>
+                          <a:spcPts val="0"/>
+                        </a:spcAft>
+                        <a:buNone/>
+                      </a:pPr>
+                      <a:r>
+                        <a:rPr lang="en-IN" sz="1050" dirty="0">
+                          <a:solidFill>
+                            <a:schemeClr val="tx1">
+                              <a:lumMod val="75000"/>
+                              <a:lumOff val="25000"/>
+                            </a:schemeClr>
+                          </a:solidFill>
+                        </a:rPr>
+                        <a:t>❌ API endpoints mentioned but not fully detailed</a:t>
+                      </a:r>
+                    </a:p>
+                    <a:p>
+                      <a:pPr marL="0" indent="0">
+                        <a:lnSpc>
+                          <a:spcPct val="100000"/>
+                        </a:lnSpc>
+                        <a:spcBef>
+                          <a:spcPts val="400"/>
+                        </a:spcBef>
+                        <a:spcAft>
+                          <a:spcPts val="0"/>
+                        </a:spcAft>
+                        <a:buNone/>
+                      </a:pPr>
+                      <a:r>
+                        <a:rPr lang="en-IN" sz="1050" dirty="0">
+                          <a:solidFill>
+                            <a:schemeClr val="tx1">
+                              <a:lumMod val="75000"/>
+                              <a:lumOff val="25000"/>
+                            </a:schemeClr>
+                          </a:solidFill>
+                        </a:rPr>
+                        <a:t>❌ Data models described vaguely</a:t>
+                      </a:r>
+                    </a:p>
+                  </a:txBody>
+                  <a:tcPr marL="56771" marR="28386" marT="28386" marB="28386">
+                    <a:lnL w="12700" cap="flat" cmpd="sng" algn="ctr">
+                      <a:noFill/>
+                      <a:prstDash val="solid"/>
+                      <a:round/>
+                      <a:headEnd type="none" w="med" len="med"/>
+                      <a:tailEnd type="none" w="med" len="med"/>
+                    </a:lnL>
+                    <a:lnR w="12700" cap="flat" cmpd="sng" algn="ctr">
+                      <a:noFill/>
+                      <a:prstDash val="solid"/>
+                      <a:round/>
+                      <a:headEnd type="none" w="med" len="med"/>
+                      <a:tailEnd type="none" w="med" len="med"/>
+                    </a:lnR>
+                    <a:lnT w="12700" cap="flat" cmpd="sng" algn="ctr">
+                      <a:noFill/>
+                      <a:prstDash val="solid"/>
+                      <a:round/>
+                      <a:headEnd type="none" w="med" len="med"/>
+                      <a:tailEnd type="none" w="med" len="med"/>
+                    </a:lnT>
+                    <a:lnB w="12700" cap="flat" cmpd="sng" algn="ctr">
+                      <a:solidFill>
+                        <a:schemeClr val="tx1"/>
+                      </a:solidFill>
+                      <a:prstDash val="solid"/>
+                      <a:round/>
+                      <a:headEnd type="none" w="med" len="med"/>
+                      <a:tailEnd type="none" w="med" len="med"/>
+                    </a:lnB>
+                    <a:lnTlToBr w="12700" cmpd="sng">
+                      <a:noFill/>
+                      <a:prstDash val="solid"/>
+                    </a:lnTlToBr>
+                    <a:lnBlToTr w="12700" cmpd="sng">
+                      <a:noFill/>
+                      <a:prstDash val="solid"/>
+                    </a:lnBlToTr>
+                    <a:solidFill>
+                      <a:srgbClr val="D8DEDC">
+                        <a:alpha val="20000"/>
+                      </a:srgbClr>
+                    </a:solidFill>
+                  </a:tcPr>
+                </a:tc>
+                <a:tc>
+                  <a:txBody>
+                    <a:bodyPr/>
+                    <a:lstStyle/>
+                    <a:p>
+                      <a:pPr marL="0" indent="0">
+                        <a:lnSpc>
+                          <a:spcPct val="100000"/>
+                        </a:lnSpc>
+                        <a:spcBef>
+                          <a:spcPts val="400"/>
+                        </a:spcBef>
+                        <a:spcAft>
+                          <a:spcPts val="0"/>
+                        </a:spcAft>
+                        <a:buNone/>
+                      </a:pPr>
+                      <a:r>
+                        <a:rPr lang="en-IN" sz="1050" dirty="0">
+                          <a:solidFill>
+                            <a:schemeClr val="tx1">
+                              <a:lumMod val="75000"/>
+                              <a:lumOff val="25000"/>
+                            </a:schemeClr>
+                          </a:solidFill>
+                        </a:rPr>
+                        <a:t>❌ Extremely vague technical guidance</a:t>
+                      </a:r>
+                    </a:p>
+                    <a:p>
+                      <a:pPr marL="0" indent="0">
+                        <a:lnSpc>
+                          <a:spcPct val="100000"/>
+                        </a:lnSpc>
+                        <a:spcBef>
+                          <a:spcPts val="400"/>
+                        </a:spcBef>
+                        <a:spcAft>
+                          <a:spcPts val="0"/>
+                        </a:spcAft>
+                        <a:buNone/>
+                      </a:pPr>
+                      <a:r>
+                        <a:rPr lang="en-IN" sz="1050" dirty="0">
+                          <a:solidFill>
+                            <a:schemeClr val="tx1">
+                              <a:lumMod val="75000"/>
+                              <a:lumOff val="25000"/>
+                            </a:schemeClr>
+                          </a:solidFill>
+                        </a:rPr>
+                        <a:t>❌ Minimal implementation details for junior developers</a:t>
+                      </a:r>
+                    </a:p>
+                    <a:p>
+                      <a:pPr marL="0" indent="0">
+                        <a:lnSpc>
+                          <a:spcPct val="100000"/>
+                        </a:lnSpc>
+                        <a:spcBef>
+                          <a:spcPts val="400"/>
+                        </a:spcBef>
+                        <a:spcAft>
+                          <a:spcPts val="0"/>
+                        </a:spcAft>
+                        <a:buNone/>
+                      </a:pPr>
+                      <a:r>
+                        <a:rPr lang="en-IN" sz="1050" dirty="0">
+                          <a:solidFill>
+                            <a:schemeClr val="tx1">
+                              <a:lumMod val="75000"/>
+                              <a:lumOff val="25000"/>
+                            </a:schemeClr>
+                          </a:solidFill>
+                        </a:rPr>
+                        <a:t>❌ No specific API endpoints or data models</a:t>
+                      </a:r>
+                    </a:p>
+                    <a:p>
+                      <a:pPr marL="0" indent="0">
+                        <a:lnSpc>
+                          <a:spcPct val="100000"/>
+                        </a:lnSpc>
+                        <a:spcBef>
+                          <a:spcPts val="400"/>
+                        </a:spcBef>
+                        <a:spcAft>
+                          <a:spcPts val="0"/>
+                        </a:spcAft>
+                        <a:buNone/>
+                      </a:pPr>
+                      <a:r>
+                        <a:rPr lang="en-IN" sz="1050" dirty="0">
+                          <a:solidFill>
+                            <a:schemeClr val="tx1">
+                              <a:lumMod val="75000"/>
+                              <a:lumOff val="25000"/>
+                            </a:schemeClr>
+                          </a:solidFill>
+                        </a:rPr>
+                        <a:t>❌ Few concrete technical requirements</a:t>
+                      </a:r>
+                    </a:p>
+                  </a:txBody>
+                  <a:tcPr marL="56771" marR="28386" marT="28386" marB="28386">
+                    <a:lnL w="12700" cap="flat" cmpd="sng" algn="ctr">
+                      <a:noFill/>
+                      <a:prstDash val="solid"/>
+                      <a:round/>
+                      <a:headEnd type="none" w="med" len="med"/>
+                      <a:tailEnd type="none" w="med" len="med"/>
+                    </a:lnL>
+                    <a:lnR w="12700" cap="flat" cmpd="sng" algn="ctr">
+                      <a:noFill/>
+                      <a:prstDash val="solid"/>
+                      <a:round/>
+                      <a:headEnd type="none" w="med" len="med"/>
+                      <a:tailEnd type="none" w="med" len="med"/>
+                    </a:lnR>
+                    <a:lnT w="12700" cap="flat" cmpd="sng" algn="ctr">
+                      <a:noFill/>
+                      <a:prstDash val="solid"/>
+                      <a:round/>
+                      <a:headEnd type="none" w="med" len="med"/>
+                      <a:tailEnd type="none" w="med" len="med"/>
+                    </a:lnT>
+                    <a:lnB w="12700" cap="flat" cmpd="sng" algn="ctr">
+                      <a:solidFill>
+                        <a:schemeClr val="tx1"/>
+                      </a:solidFill>
+                      <a:prstDash val="solid"/>
+                      <a:round/>
+                      <a:headEnd type="none" w="med" len="med"/>
+                      <a:tailEnd type="none" w="med" len="med"/>
+                    </a:lnB>
+                    <a:lnTlToBr w="12700" cmpd="sng">
+                      <a:noFill/>
+                      <a:prstDash val="solid"/>
+                    </a:lnTlToBr>
+                    <a:lnBlToTr w="12700" cmpd="sng">
+                      <a:noFill/>
+                      <a:prstDash val="solid"/>
+                    </a:lnBlToTr>
+                    <a:solidFill>
+                      <a:srgbClr val="D8DEDC">
+                        <a:alpha val="20000"/>
+                      </a:srgbClr>
+                    </a:solidFill>
+                  </a:tcPr>
+                </a:tc>
+                <a:tc>
+                  <a:txBody>
+                    <a:bodyPr/>
+                    <a:lstStyle/>
+                    <a:p>
+                      <a:pPr marL="0" marR="0" lvl="0" indent="0" algn="l" defTabSz="914400" rtl="0" eaLnBrk="1" fontAlgn="auto" latinLnBrk="0" hangingPunct="1">
+                        <a:lnSpc>
+                          <a:spcPct val="100000"/>
+                        </a:lnSpc>
+                        <a:spcBef>
+                          <a:spcPts val="400"/>
+                        </a:spcBef>
+                        <a:spcAft>
+                          <a:spcPts val="0"/>
+                        </a:spcAft>
+                        <a:buClrTx/>
+                        <a:buSzTx/>
+                        <a:buFontTx/>
+                        <a:buNone/>
+                        <a:tabLst/>
+                        <a:defRPr/>
+                      </a:pPr>
+                      <a:r>
+                        <a:rPr lang="en-IN" sz="1050" dirty="0">
+                          <a:solidFill>
+                            <a:schemeClr val="tx1">
+                              <a:lumMod val="75000"/>
+                              <a:lumOff val="25000"/>
+                            </a:schemeClr>
+                          </a:solidFill>
+                        </a:rPr>
+                        <a:t>❌ More verbose and detailed (though this benefits junior developers)</a:t>
+                      </a:r>
+                    </a:p>
+                  </a:txBody>
+                  <a:tcPr marL="56771" marR="28386" marT="28386" marB="28386">
+                    <a:lnL w="12700" cap="flat" cmpd="sng" algn="ctr">
+                      <a:noFill/>
+                      <a:prstDash val="solid"/>
+                      <a:round/>
+                      <a:headEnd type="none" w="med" len="med"/>
+                      <a:tailEnd type="none" w="med" len="med"/>
+                    </a:lnL>
+                    <a:lnR w="12700" cap="flat" cmpd="sng" algn="ctr">
+                      <a:solidFill>
+                        <a:schemeClr val="tx1"/>
+                      </a:solidFill>
+                      <a:prstDash val="solid"/>
+                      <a:round/>
+                      <a:headEnd type="none" w="med" len="med"/>
+                      <a:tailEnd type="none" w="med" len="med"/>
+                    </a:lnR>
+                    <a:lnT w="12700" cap="flat" cmpd="sng" algn="ctr">
+                      <a:noFill/>
+                      <a:prstDash val="solid"/>
+                      <a:round/>
+                      <a:headEnd type="none" w="med" len="med"/>
+                      <a:tailEnd type="none" w="med" len="med"/>
+                    </a:lnT>
+                    <a:lnB w="12700" cap="flat" cmpd="sng" algn="ctr">
+                      <a:solidFill>
+                        <a:schemeClr val="tx1"/>
+                      </a:solidFill>
+                      <a:prstDash val="solid"/>
+                      <a:round/>
+                      <a:headEnd type="none" w="med" len="med"/>
+                      <a:tailEnd type="none" w="med" len="med"/>
+                    </a:lnB>
+                    <a:lnTlToBr w="12700" cmpd="sng">
+                      <a:noFill/>
+                      <a:prstDash val="solid"/>
+                    </a:lnTlToBr>
+                    <a:lnBlToTr w="12700" cmpd="sng">
+                      <a:noFill/>
+                      <a:prstDash val="solid"/>
+                    </a:lnBlToTr>
+                    <a:solidFill>
+                      <a:srgbClr val="D8DEDC">
+                        <a:alpha val="20000"/>
+                      </a:srgbClr>
+                    </a:solidFill>
+                  </a:tcPr>
+                </a:tc>
+                <a:extLst>
+                  <a:ext uri="{0D108BD9-81ED-4DB2-BD59-A6C34878D82A}">
+                    <a16:rowId xmlns:a16="http://schemas.microsoft.com/office/drawing/2014/main" val="1579714005"/>
+                  </a:ext>
+                </a:extLst>
+              </a:tr>
+            </a:tbl>
+          </a:graphicData>
+        </a:graphic>
+      </p:graphicFrame>
+    </p:spTree>
+    <p:extLst>
+      <p:ext uri="{BB962C8B-B14F-4D97-AF65-F5344CB8AC3E}">
+        <p14:creationId xmlns:p14="http://schemas.microsoft.com/office/powerpoint/2010/main" val="4103496094"/>
+      </p:ext>
+    </p:extLst>
+  </p:cSld>
+  <p:clrMapOvr>
+    <a:masterClrMapping/>
+  </p:clrMapOvr>
+  <mc:AlternateContent xmlns:mc="http://schemas.openxmlformats.org/markup-compatibility/2006">
+    <mc:Choice xmlns:p159="http://schemas.microsoft.com/office/powerpoint/2015/09/main" Requires="p159">
+      <p:transition xmlns:p14="http://schemas.microsoft.com/office/powerpoint/2010/main" spd="slow" p14:dur="2000">
+        <p159:morph option="byObject"/>
+      </p:transition>
+    </mc:Choice>
+    <mc:Fallback>
+      <p:transition spd="slow">
+        <p:fade/>
+      </p:transition>
+    </mc:Fallback>
+  </mc:AlternateContent>
+  <p:timing>
+    <p:tnLst>
+      <p:par>
+        <p:cTn id="1" dur="indefinite" restart="never" nodeType="tmRoot">
+          <p:childTnLst>
+            <p:seq concurrent="1" nextAc="seek">
+              <p:cTn id="2" dur="indefinite" nodeType="mainSeq">
+                <p:childTnLst>
+                  <p:par>
+                    <p:cTn id="3" fill="hold">
+                      <p:stCondLst>
+                        <p:cond delay="indefinite"/>
+                        <p:cond evt="onBegin" delay="0">
+                          <p:tn val="2"/>
+                        </p:cond>
+                      </p:stCondLst>
+                      <p:childTnLst>
+                        <p:par>
+                          <p:cTn id="4" fill="hold">
+                            <p:stCondLst>
+                              <p:cond delay="0"/>
+                            </p:stCondLst>
+                            <p:childTnLst>
+                              <p:par>
+                                <p:cTn id="5" presetID="10" presetClass="entr" presetSubtype="0" fill="hold" nodeType="withEffect">
+                                  <p:stCondLst>
+                                    <p:cond delay="0"/>
+                                  </p:stCondLst>
+                                  <p:childTnLst>
+                                    <p:set>
+                                      <p:cBhvr>
+                                        <p:cTn id="6" dur="1" fill="hold">
+                                          <p:stCondLst>
+                                            <p:cond delay="0"/>
+                                          </p:stCondLst>
+                                        </p:cTn>
+                                        <p:tgtEl>
+                                          <p:spTgt spid="4"/>
+                                        </p:tgtEl>
+                                        <p:attrNameLst>
+                                          <p:attrName>style.visibility</p:attrName>
+                                        </p:attrNameLst>
+                                      </p:cBhvr>
+                                      <p:to>
+                                        <p:strVal val="visible"/>
+                                      </p:to>
+                                    </p:set>
+                                    <p:animEffect transition="in" filter="fade">
+                                      <p:cBhvr>
+                                        <p:cTn id="7" dur="1000"/>
+                                        <p:tgtEl>
+                                          <p:spTgt spid="4"/>
+                                        </p:tgtEl>
+                                      </p:cBhvr>
+                                    </p:animEffect>
+                                  </p:childTnLst>
+                                </p:cTn>
+                              </p:par>
+                            </p:childTnLst>
+                          </p:cTn>
+                        </p:par>
+                      </p:childTnLst>
+                    </p:cTn>
+                  </p:par>
+                </p:childTnLst>
+              </p:cTn>
+              <p:prevCondLst>
+                <p:cond evt="onPrev" delay="0">
+                  <p:tgtEl>
+                    <p:sldTgt/>
+                  </p:tgtEl>
+                </p:cond>
+              </p:prevCondLst>
+              <p:nextCondLst>
+                <p:cond evt="onNext" delay="0">
+                  <p:tgtEl>
+                    <p:sldTgt/>
+                  </p:tgtEl>
+                </p:cond>
+              </p:nextCondLst>
+            </p:seq>
+          </p:childTnLst>
+        </p:cTn>
+      </p:par>
+    </p:tnLst>
+  </p:timing>
+</p:sld>
+</file>
+
 <file path=ppt/slides/slide2.xml><?xml version="1.0" encoding="utf-8"?>
 <p:sld xmlns:a="http://schemas.openxmlformats.org/drawingml/2006/main" xmlns:r="http://schemas.openxmlformats.org/officeDocument/2006/relationships" xmlns:p="http://schemas.openxmlformats.org/presentationml/2006/main">
   <p:cSld>
@@ -12002,7 +14364,7 @@
               </a:pPr>
               <a:r>
                 <a:rPr lang="en-US" sz="1900" kern="1200" baseline="0" dirty="0"/>
-                <a:t>To coach a junior developer to learn standards used in industry to contribute to a change.</a:t>
+                <a:t>To coach a developer to learn standards used in industry to contribute to a change.</a:t>
               </a:r>
               <a:endParaRPr lang="en-US" sz="1900" kern="1200" dirty="0"/>
             </a:p>
@@ -12286,7 +14648,7 @@
               </a:pPr>
               <a:r>
                 <a:rPr lang="en-US" sz="1900" kern="1200" baseline="0" dirty="0"/>
-                <a:t>To enable a developer new to technology/language to get started faster.</a:t>
+                <a:t>To enable a developer new to technology/language to get started faster and learn on the go. </a:t>
               </a:r>
               <a:endParaRPr lang="en-US" sz="1900" kern="1200" dirty="0"/>
             </a:p>
@@ -12570,7 +14932,15 @@
               </a:pPr>
               <a:r>
                 <a:rPr lang="en-US" sz="1900" kern="1200" baseline="0" dirty="0"/>
-                <a:t>To automate the process of requirement gathering, initial change analysis and basic implementation approaches. </a:t>
+                <a:t>To automate the process of requirement gathering, initial change analysis and basic implementation approaches in</a:t>
+              </a:r>
+              <a:r>
+                <a:rPr lang="en-US" sz="1900" kern="1200" dirty="0"/>
+                <a:t> compliance to the standards</a:t>
+              </a:r>
+              <a:r>
+                <a:rPr lang="en-US" sz="1900" kern="1200" baseline="0" dirty="0"/>
+                <a:t>. </a:t>
               </a:r>
               <a:endParaRPr lang="en-US" sz="1900" kern="1200" dirty="0"/>
             </a:p>
@@ -14972,7 +17342,7 @@
           <a:p>
             <a:r>
               <a:rPr lang="en-US" dirty="0"/>
-              <a:t>Prompt 1: User story creation</a:t>
+              <a:t>User story creation</a:t>
             </a:r>
           </a:p>
         </p:txBody>
@@ -15283,7 +17653,7 @@
           <a:p>
             <a:r>
               <a:rPr lang="en-US" sz="3600" dirty="0"/>
-              <a:t>Prompt 2: Implementation plan</a:t>
+              <a:t>Implementation plan</a:t>
             </a:r>
           </a:p>
         </p:txBody>
@@ -15471,6 +17841,415 @@
 </file>
 
 <file path=ppt/slides/slide7.xml><?xml version="1.0" encoding="utf-8"?>
+<p:sld xmlns:a="http://schemas.openxmlformats.org/drawingml/2006/main" xmlns:r="http://schemas.openxmlformats.org/officeDocument/2006/relationships" xmlns:p="http://schemas.openxmlformats.org/presentationml/2006/main">
+  <p:cSld>
+    <p:spTree>
+      <p:nvGrpSpPr>
+        <p:cNvPr id="1" name=""/>
+        <p:cNvGrpSpPr/>
+        <p:nvPr/>
+      </p:nvGrpSpPr>
+      <p:grpSpPr>
+        <a:xfrm>
+          <a:off x="0" y="0"/>
+          <a:ext cx="0" cy="0"/>
+          <a:chOff x="0" y="0"/>
+          <a:chExt cx="0" cy="0"/>
+        </a:xfrm>
+      </p:grpSpPr>
+      <p:sp>
+        <p:nvSpPr>
+          <p:cNvPr id="2" name="Title 1">
+            <a:extLst>
+              <a:ext uri="{FF2B5EF4-FFF2-40B4-BE49-F238E27FC236}">
+                <a16:creationId xmlns:a16="http://schemas.microsoft.com/office/drawing/2014/main" id="{C6DB476A-448E-15EA-807D-D0B0EA572B31}"/>
+              </a:ext>
+            </a:extLst>
+          </p:cNvPr>
+          <p:cNvSpPr>
+            <a:spLocks noGrp="1"/>
+          </p:cNvSpPr>
+          <p:nvPr>
+            <p:ph type="title"/>
+          </p:nvPr>
+        </p:nvSpPr>
+        <p:spPr/>
+        <p:txBody>
+          <a:bodyPr/>
+          <a:lstStyle/>
+          <a:p>
+            <a:r>
+              <a:rPr lang="en-US" dirty="0"/>
+              <a:t>Learnings</a:t>
+            </a:r>
+          </a:p>
+        </p:txBody>
+      </p:sp>
+      <p:sp>
+        <p:nvSpPr>
+          <p:cNvPr id="3" name="Content Placeholder 2">
+            <a:extLst>
+              <a:ext uri="{FF2B5EF4-FFF2-40B4-BE49-F238E27FC236}">
+                <a16:creationId xmlns:a16="http://schemas.microsoft.com/office/drawing/2014/main" id="{97024AED-CEAD-F7D0-707A-15254F8414A9}"/>
+              </a:ext>
+            </a:extLst>
+          </p:cNvPr>
+          <p:cNvSpPr>
+            <a:spLocks noGrp="1"/>
+          </p:cNvSpPr>
+          <p:nvPr>
+            <p:ph idx="1"/>
+          </p:nvPr>
+        </p:nvSpPr>
+        <p:spPr/>
+        <p:txBody>
+          <a:bodyPr/>
+          <a:lstStyle/>
+          <a:p>
+            <a:r>
+              <a:rPr lang="en-US" dirty="0"/>
+              <a:t>Connecting Databricks with Azure </a:t>
+            </a:r>
+            <a:r>
+              <a:rPr lang="en-US" dirty="0" err="1"/>
+              <a:t>openAI</a:t>
+            </a:r>
+            <a:endParaRPr lang="en-US" dirty="0"/>
+          </a:p>
+          <a:p>
+            <a:r>
+              <a:rPr lang="en-US" dirty="0"/>
+              <a:t>Using real data from GitHub for an AI application</a:t>
+            </a:r>
+          </a:p>
+          <a:p>
+            <a:r>
+              <a:rPr lang="en-US" dirty="0"/>
+              <a:t>Importance of PROMPT engineering (Clearer prompts get good results)</a:t>
+            </a:r>
+          </a:p>
+          <a:p>
+            <a:r>
+              <a:rPr lang="en-US" dirty="0"/>
+              <a:t>Types of AI application (workflow, conversational/assistants, code-centric, RAG, Planning etc.,) </a:t>
+            </a:r>
+          </a:p>
+        </p:txBody>
+      </p:sp>
+    </p:spTree>
+    <p:extLst>
+      <p:ext uri="{BB962C8B-B14F-4D97-AF65-F5344CB8AC3E}">
+        <p14:creationId xmlns:p14="http://schemas.microsoft.com/office/powerpoint/2010/main" val="3625587820"/>
+      </p:ext>
+    </p:extLst>
+  </p:cSld>
+  <p:clrMapOvr>
+    <a:masterClrMapping/>
+  </p:clrMapOvr>
+  <mc:AlternateContent xmlns:mc="http://schemas.openxmlformats.org/markup-compatibility/2006">
+    <mc:Choice xmlns:p159="http://schemas.microsoft.com/office/powerpoint/2015/09/main" Requires="p159">
+      <p:transition xmlns:p14="http://schemas.microsoft.com/office/powerpoint/2010/main" spd="slow" p14:dur="2000">
+        <p159:morph option="byObject"/>
+      </p:transition>
+    </mc:Choice>
+    <mc:Fallback>
+      <p:transition spd="slow">
+        <p:fade/>
+      </p:transition>
+    </mc:Fallback>
+  </mc:AlternateContent>
+</p:sld>
+</file>
+
+<file path=ppt/slides/slide8.xml><?xml version="1.0" encoding="utf-8"?>
+<p:sld xmlns:a="http://schemas.openxmlformats.org/drawingml/2006/main" xmlns:r="http://schemas.openxmlformats.org/officeDocument/2006/relationships" xmlns:p="http://schemas.openxmlformats.org/presentationml/2006/main">
+  <p:cSld>
+    <p:spTree>
+      <p:nvGrpSpPr>
+        <p:cNvPr id="1" name=""/>
+        <p:cNvGrpSpPr/>
+        <p:nvPr/>
+      </p:nvGrpSpPr>
+      <p:grpSpPr>
+        <a:xfrm>
+          <a:off x="0" y="0"/>
+          <a:ext cx="0" cy="0"/>
+          <a:chOff x="0" y="0"/>
+          <a:chExt cx="0" cy="0"/>
+        </a:xfrm>
+      </p:grpSpPr>
+      <p:sp>
+        <p:nvSpPr>
+          <p:cNvPr id="2" name="Title 1">
+            <a:extLst>
+              <a:ext uri="{FF2B5EF4-FFF2-40B4-BE49-F238E27FC236}">
+                <a16:creationId xmlns:a16="http://schemas.microsoft.com/office/drawing/2014/main" id="{BB602844-5CDF-F4A4-31F3-E8AE5F44A0D4}"/>
+              </a:ext>
+            </a:extLst>
+          </p:cNvPr>
+          <p:cNvSpPr>
+            <a:spLocks noGrp="1"/>
+          </p:cNvSpPr>
+          <p:nvPr>
+            <p:ph type="title"/>
+          </p:nvPr>
+        </p:nvSpPr>
+        <p:spPr/>
+        <p:txBody>
+          <a:bodyPr/>
+          <a:lstStyle/>
+          <a:p>
+            <a:r>
+              <a:rPr lang="en-US" dirty="0"/>
+              <a:t>Impact &amp; value</a:t>
+            </a:r>
+          </a:p>
+        </p:txBody>
+      </p:sp>
+      <p:sp>
+        <p:nvSpPr>
+          <p:cNvPr id="3" name="Content Placeholder 2">
+            <a:extLst>
+              <a:ext uri="{FF2B5EF4-FFF2-40B4-BE49-F238E27FC236}">
+                <a16:creationId xmlns:a16="http://schemas.microsoft.com/office/drawing/2014/main" id="{9A107B86-F8CE-8E4F-4E35-EEE0C10DB817}"/>
+              </a:ext>
+            </a:extLst>
+          </p:cNvPr>
+          <p:cNvSpPr>
+            <a:spLocks noGrp="1"/>
+          </p:cNvSpPr>
+          <p:nvPr>
+            <p:ph sz="half" idx="1"/>
+          </p:nvPr>
+        </p:nvSpPr>
+        <p:spPr/>
+        <p:txBody>
+          <a:bodyPr>
+            <a:normAutofit fontScale="40000" lnSpcReduction="20000"/>
+          </a:bodyPr>
+          <a:lstStyle/>
+          <a:p>
+            <a:pPr marL="0" indent="0">
+              <a:lnSpc>
+                <a:spcPct val="120000"/>
+              </a:lnSpc>
+              <a:buNone/>
+            </a:pPr>
+            <a:r>
+              <a:rPr lang="en-IN" sz="7400" b="1" dirty="0"/>
+              <a:t>Impacts</a:t>
+            </a:r>
+            <a:endParaRPr lang="en-IN" sz="5500" b="1" dirty="0"/>
+          </a:p>
+          <a:p>
+            <a:pPr marL="0" indent="0">
+              <a:lnSpc>
+                <a:spcPct val="120000"/>
+              </a:lnSpc>
+              <a:buNone/>
+            </a:pPr>
+            <a:r>
+              <a:rPr lang="en-IN" sz="5500" dirty="0"/>
+              <a:t>🚀 Faster onboarding</a:t>
+            </a:r>
+          </a:p>
+          <a:p>
+            <a:pPr marL="0" indent="0">
+              <a:lnSpc>
+                <a:spcPct val="120000"/>
+              </a:lnSpc>
+              <a:buNone/>
+            </a:pPr>
+            <a:r>
+              <a:rPr lang="en-IN" sz="5500" dirty="0"/>
+              <a:t>💡 Higher productivity</a:t>
+            </a:r>
+          </a:p>
+          <a:p>
+            <a:pPr marL="0" indent="0">
+              <a:lnSpc>
+                <a:spcPct val="120000"/>
+              </a:lnSpc>
+              <a:buNone/>
+            </a:pPr>
+            <a:r>
+              <a:rPr lang="en-IN" sz="5500" dirty="0"/>
+              <a:t>📚 Always-available mentor</a:t>
+            </a:r>
+          </a:p>
+          <a:p>
+            <a:pPr marL="0" indent="0">
+              <a:lnSpc>
+                <a:spcPct val="120000"/>
+              </a:lnSpc>
+              <a:buNone/>
+            </a:pPr>
+            <a:r>
+              <a:rPr lang="en-IN" sz="5500" dirty="0"/>
+              <a:t>✅ Better code quality</a:t>
+            </a:r>
+          </a:p>
+          <a:p>
+            <a:pPr marL="0" indent="0">
+              <a:lnSpc>
+                <a:spcPct val="120000"/>
+              </a:lnSpc>
+              <a:buNone/>
+            </a:pPr>
+            <a:r>
+              <a:rPr lang="en-IN" sz="5500" dirty="0"/>
+              <a:t>🌍 Scales across teams</a:t>
+            </a:r>
+          </a:p>
+          <a:p>
+            <a:pPr marL="0" indent="0">
+              <a:lnSpc>
+                <a:spcPct val="120000"/>
+              </a:lnSpc>
+              <a:buNone/>
+            </a:pPr>
+            <a:r>
+              <a:rPr lang="en-IN" sz="5500" dirty="0"/>
+              <a:t>🔗 More open-source contributions</a:t>
+            </a:r>
+          </a:p>
+        </p:txBody>
+      </p:sp>
+      <p:sp>
+        <p:nvSpPr>
+          <p:cNvPr id="4" name="Content Placeholder 3">
+            <a:extLst>
+              <a:ext uri="{FF2B5EF4-FFF2-40B4-BE49-F238E27FC236}">
+                <a16:creationId xmlns:a16="http://schemas.microsoft.com/office/drawing/2014/main" id="{ADABCDE2-726F-0E02-BBFA-C9D55B2C5C0E}"/>
+              </a:ext>
+            </a:extLst>
+          </p:cNvPr>
+          <p:cNvSpPr>
+            <a:spLocks noGrp="1"/>
+          </p:cNvSpPr>
+          <p:nvPr>
+            <p:ph sz="half" idx="2"/>
+          </p:nvPr>
+        </p:nvSpPr>
+        <p:spPr/>
+        <p:txBody>
+          <a:bodyPr>
+            <a:normAutofit fontScale="40000" lnSpcReduction="20000"/>
+          </a:bodyPr>
+          <a:lstStyle/>
+          <a:p>
+            <a:pPr marL="0" indent="0">
+              <a:lnSpc>
+                <a:spcPct val="120000"/>
+              </a:lnSpc>
+              <a:buNone/>
+            </a:pPr>
+            <a:r>
+              <a:rPr lang="en-IN" sz="7400" b="1" dirty="0"/>
+              <a:t>Values</a:t>
+            </a:r>
+          </a:p>
+          <a:p>
+            <a:pPr marL="0" indent="0">
+              <a:lnSpc>
+                <a:spcPct val="120000"/>
+              </a:lnSpc>
+              <a:buNone/>
+            </a:pPr>
+            <a:r>
+              <a:rPr lang="en-IN" sz="5500" dirty="0"/>
+              <a:t>💪 Empowerment</a:t>
+            </a:r>
+          </a:p>
+          <a:p>
+            <a:pPr marL="0" indent="0">
+              <a:lnSpc>
+                <a:spcPct val="120000"/>
+              </a:lnSpc>
+              <a:buNone/>
+            </a:pPr>
+            <a:r>
+              <a:rPr lang="en-IN" sz="5500" dirty="0"/>
+              <a:t>🤝 Collaboration</a:t>
+            </a:r>
+          </a:p>
+          <a:p>
+            <a:pPr marL="0" indent="0">
+              <a:lnSpc>
+                <a:spcPct val="120000"/>
+              </a:lnSpc>
+              <a:buNone/>
+            </a:pPr>
+            <a:r>
+              <a:rPr lang="en-IN" sz="5500" dirty="0"/>
+              <a:t>⚡ Efficiency</a:t>
+            </a:r>
+          </a:p>
+          <a:p>
+            <a:pPr marL="0" indent="0">
+              <a:lnSpc>
+                <a:spcPct val="120000"/>
+              </a:lnSpc>
+              <a:buNone/>
+            </a:pPr>
+            <a:r>
+              <a:rPr lang="en-IN" sz="5500" dirty="0"/>
+              <a:t>🌐 Inclusivity</a:t>
+            </a:r>
+          </a:p>
+          <a:p>
+            <a:pPr marL="0" indent="0">
+              <a:lnSpc>
+                <a:spcPct val="120000"/>
+              </a:lnSpc>
+              <a:buNone/>
+            </a:pPr>
+            <a:r>
+              <a:rPr lang="en-IN" sz="5500" dirty="0"/>
+              <a:t>♻️ Sustainability</a:t>
+            </a:r>
+          </a:p>
+          <a:p>
+            <a:pPr marL="0" indent="0">
+              <a:lnSpc>
+                <a:spcPct val="120000"/>
+              </a:lnSpc>
+              <a:buNone/>
+            </a:pPr>
+            <a:r>
+              <a:rPr lang="en-IN" sz="5500" dirty="0"/>
+              <a:t>🌟 Innovation</a:t>
+            </a:r>
+            <a:endParaRPr lang="en-US" sz="5500" dirty="0"/>
+          </a:p>
+        </p:txBody>
+      </p:sp>
+    </p:spTree>
+    <p:extLst>
+      <p:ext uri="{BB962C8B-B14F-4D97-AF65-F5344CB8AC3E}">
+        <p14:creationId xmlns:p14="http://schemas.microsoft.com/office/powerpoint/2010/main" val="2943854861"/>
+      </p:ext>
+    </p:extLst>
+  </p:cSld>
+  <p:clrMapOvr>
+    <a:masterClrMapping/>
+  </p:clrMapOvr>
+  <mc:AlternateContent xmlns:mc="http://schemas.openxmlformats.org/markup-compatibility/2006">
+    <mc:Choice xmlns:p159="http://schemas.microsoft.com/office/powerpoint/2015/09/main" Requires="p159">
+      <p:transition xmlns:p14="http://schemas.microsoft.com/office/powerpoint/2010/main" spd="slow" p14:dur="2000">
+        <p159:morph option="byObject"/>
+      </p:transition>
+    </mc:Choice>
+    <mc:Fallback>
+      <p:transition spd="slow">
+        <p:fade/>
+      </p:transition>
+    </mc:Fallback>
+  </mc:AlternateContent>
+</p:sld>
+</file>
+
+<file path=ppt/slides/slide9.xml><?xml version="1.0" encoding="utf-8"?>
 <p:sld xmlns:a="http://schemas.openxmlformats.org/drawingml/2006/main" xmlns:r="http://schemas.openxmlformats.org/officeDocument/2006/relationships" xmlns:p="http://schemas.openxmlformats.org/presentationml/2006/main">
   <p:cSld>
     <p:bg>
